--- a/source/技术图集.pptx
+++ b/source/技术图集.pptx
@@ -7,7 +7,9 @@
   <p:sldIdLst>
     <p:sldId id="256" r:id="rId2"/>
     <p:sldId id="257" r:id="rId3"/>
-    <p:sldId id="258" r:id="rId4"/>
+    <p:sldId id="259" r:id="rId4"/>
+    <p:sldId id="260" r:id="rId5"/>
+    <p:sldId id="261" r:id="rId6"/>
   </p:sldIdLst>
   <p:sldSz cx="12192000" cy="6858000"/>
   <p:notesSz cx="6858000" cy="9144000"/>
@@ -106,6 +108,11 @@
       </a:defRPr>
     </a:lvl9pPr>
   </p:defaultTextStyle>
+  <p:extLst>
+    <p:ext uri="{EFAFB233-063F-42B5-8137-9DF3F51BA10A}">
+      <p15:sldGuideLst xmlns:p15="http://schemas.microsoft.com/office/powerpoint/2012/main"/>
+    </p:ext>
+  </p:extLst>
 </p:presentation>
 </file>
 
@@ -240,7 +247,7 @@
           <a:p>
             <a:fld id="{9193ED08-A3D7-45D6-861E-2623971EBAA8}" type="datetimeFigureOut">
               <a:rPr lang="zh-CN" altLang="en-US" smtClean="0"/>
-              <a:t>2016/4/24</a:t>
+              <a:t>2016/8/22</a:t>
             </a:fld>
             <a:endParaRPr lang="zh-CN" altLang="en-US"/>
           </a:p>
@@ -410,7 +417,7 @@
           <a:p>
             <a:fld id="{9193ED08-A3D7-45D6-861E-2623971EBAA8}" type="datetimeFigureOut">
               <a:rPr lang="zh-CN" altLang="en-US" smtClean="0"/>
-              <a:t>2016/4/24</a:t>
+              <a:t>2016/8/22</a:t>
             </a:fld>
             <a:endParaRPr lang="zh-CN" altLang="en-US"/>
           </a:p>
@@ -590,7 +597,7 @@
           <a:p>
             <a:fld id="{9193ED08-A3D7-45D6-861E-2623971EBAA8}" type="datetimeFigureOut">
               <a:rPr lang="zh-CN" altLang="en-US" smtClean="0"/>
-              <a:t>2016/4/24</a:t>
+              <a:t>2016/8/22</a:t>
             </a:fld>
             <a:endParaRPr lang="zh-CN" altLang="en-US"/>
           </a:p>
@@ -760,7 +767,7 @@
           <a:p>
             <a:fld id="{9193ED08-A3D7-45D6-861E-2623971EBAA8}" type="datetimeFigureOut">
               <a:rPr lang="zh-CN" altLang="en-US" smtClean="0"/>
-              <a:t>2016/4/24</a:t>
+              <a:t>2016/8/22</a:t>
             </a:fld>
             <a:endParaRPr lang="zh-CN" altLang="en-US"/>
           </a:p>
@@ -1006,7 +1013,7 @@
           <a:p>
             <a:fld id="{9193ED08-A3D7-45D6-861E-2623971EBAA8}" type="datetimeFigureOut">
               <a:rPr lang="zh-CN" altLang="en-US" smtClean="0"/>
-              <a:t>2016/4/24</a:t>
+              <a:t>2016/8/22</a:t>
             </a:fld>
             <a:endParaRPr lang="zh-CN" altLang="en-US"/>
           </a:p>
@@ -1238,7 +1245,7 @@
           <a:p>
             <a:fld id="{9193ED08-A3D7-45D6-861E-2623971EBAA8}" type="datetimeFigureOut">
               <a:rPr lang="zh-CN" altLang="en-US" smtClean="0"/>
-              <a:t>2016/4/24</a:t>
+              <a:t>2016/8/22</a:t>
             </a:fld>
             <a:endParaRPr lang="zh-CN" altLang="en-US"/>
           </a:p>
@@ -1605,7 +1612,7 @@
           <a:p>
             <a:fld id="{9193ED08-A3D7-45D6-861E-2623971EBAA8}" type="datetimeFigureOut">
               <a:rPr lang="zh-CN" altLang="en-US" smtClean="0"/>
-              <a:t>2016/4/24</a:t>
+              <a:t>2016/8/22</a:t>
             </a:fld>
             <a:endParaRPr lang="zh-CN" altLang="en-US"/>
           </a:p>
@@ -1723,7 +1730,7 @@
           <a:p>
             <a:fld id="{9193ED08-A3D7-45D6-861E-2623971EBAA8}" type="datetimeFigureOut">
               <a:rPr lang="zh-CN" altLang="en-US" smtClean="0"/>
-              <a:t>2016/4/24</a:t>
+              <a:t>2016/8/22</a:t>
             </a:fld>
             <a:endParaRPr lang="zh-CN" altLang="en-US"/>
           </a:p>
@@ -1818,7 +1825,7 @@
           <a:p>
             <a:fld id="{9193ED08-A3D7-45D6-861E-2623971EBAA8}" type="datetimeFigureOut">
               <a:rPr lang="zh-CN" altLang="en-US" smtClean="0"/>
-              <a:t>2016/4/24</a:t>
+              <a:t>2016/8/22</a:t>
             </a:fld>
             <a:endParaRPr lang="zh-CN" altLang="en-US"/>
           </a:p>
@@ -2095,7 +2102,7 @@
           <a:p>
             <a:fld id="{9193ED08-A3D7-45D6-861E-2623971EBAA8}" type="datetimeFigureOut">
               <a:rPr lang="zh-CN" altLang="en-US" smtClean="0"/>
-              <a:t>2016/4/24</a:t>
+              <a:t>2016/8/22</a:t>
             </a:fld>
             <a:endParaRPr lang="zh-CN" altLang="en-US"/>
           </a:p>
@@ -2348,7 +2355,7 @@
           <a:p>
             <a:fld id="{9193ED08-A3D7-45D6-861E-2623971EBAA8}" type="datetimeFigureOut">
               <a:rPr lang="zh-CN" altLang="en-US" smtClean="0"/>
-              <a:t>2016/4/24</a:t>
+              <a:t>2016/8/22</a:t>
             </a:fld>
             <a:endParaRPr lang="zh-CN" altLang="en-US"/>
           </a:p>
@@ -2561,7 +2568,7 @@
           <a:p>
             <a:fld id="{9193ED08-A3D7-45D6-861E-2623971EBAA8}" type="datetimeFigureOut">
               <a:rPr lang="zh-CN" altLang="en-US" smtClean="0"/>
-              <a:t>2016/4/24</a:t>
+              <a:t>2016/8/22</a:t>
             </a:fld>
             <a:endParaRPr lang="zh-CN" altLang="en-US"/>
           </a:p>
@@ -3525,46 +3532,3973 @@
       </p:grpSpPr>
       <p:sp>
         <p:nvSpPr>
-          <p:cNvPr id="2" name="标题 1"/>
-          <p:cNvSpPr>
-            <a:spLocks noGrp="1"/>
-          </p:cNvSpPr>
-          <p:nvPr>
-            <p:ph type="title"/>
-          </p:nvPr>
-        </p:nvSpPr>
-        <p:spPr/>
-        <p:txBody>
-          <a:bodyPr/>
-          <a:lstStyle/>
-          <a:p>
+          <p:cNvPr id="4" name="椭圆 3"/>
+          <p:cNvSpPr/>
+          <p:nvPr/>
+        </p:nvSpPr>
+        <p:spPr>
+          <a:xfrm>
+            <a:off x="2398955" y="142539"/>
+            <a:ext cx="6594438" cy="6594438"/>
+          </a:xfrm>
+          <a:prstGeom prst="ellipse">
+            <a:avLst/>
+          </a:prstGeom>
+          <a:noFill/>
+          <a:ln>
+            <a:solidFill>
+              <a:schemeClr val="tx1">
+                <a:lumMod val="95000"/>
+                <a:lumOff val="5000"/>
+              </a:schemeClr>
+            </a:solidFill>
+          </a:ln>
+        </p:spPr>
+        <p:style>
+          <a:lnRef idx="2">
+            <a:schemeClr val="accent6">
+              <a:shade val="50000"/>
+            </a:schemeClr>
+          </a:lnRef>
+          <a:fillRef idx="1">
+            <a:schemeClr val="accent6"/>
+          </a:fillRef>
+          <a:effectRef idx="0">
+            <a:schemeClr val="accent6"/>
+          </a:effectRef>
+          <a:fontRef idx="minor">
+            <a:schemeClr val="lt1"/>
+          </a:fontRef>
+        </p:style>
+        <p:txBody>
+          <a:bodyPr rtlCol="0" anchor="ctr"/>
+          <a:lstStyle/>
+          <a:p>
+            <a:pPr algn="ctr"/>
             <a:endParaRPr lang="zh-CN" altLang="en-US"/>
           </a:p>
         </p:txBody>
       </p:sp>
       <p:sp>
         <p:nvSpPr>
-          <p:cNvPr id="3" name="内容占位符 2"/>
-          <p:cNvSpPr>
-            <a:spLocks noGrp="1"/>
-          </p:cNvSpPr>
-          <p:nvPr>
-            <p:ph idx="1"/>
-          </p:nvPr>
-        </p:nvSpPr>
-        <p:spPr/>
-        <p:txBody>
-          <a:bodyPr/>
-          <a:lstStyle/>
-          <a:p>
+          <p:cNvPr id="5" name="文本框 4"/>
+          <p:cNvSpPr txBox="1"/>
+          <p:nvPr/>
+        </p:nvSpPr>
+        <p:spPr>
+          <a:xfrm>
+            <a:off x="5232745" y="-42127"/>
+            <a:ext cx="926857" cy="369332"/>
+          </a:xfrm>
+          <a:prstGeom prst="rect">
+            <a:avLst/>
+          </a:prstGeom>
+          <a:noFill/>
+        </p:spPr>
+        <p:txBody>
+          <a:bodyPr wrap="none" rtlCol="0">
+            <a:spAutoFit/>
+          </a:bodyPr>
+          <a:lstStyle/>
+          <a:p>
+            <a:r>
+              <a:rPr lang="en-US" altLang="zh-CN" dirty="0" smtClean="0"/>
+              <a:t>2^32   0</a:t>
+            </a:r>
             <a:endParaRPr lang="zh-CN" altLang="en-US" dirty="0"/>
+          </a:p>
+        </p:txBody>
+      </p:sp>
+      <p:sp>
+        <p:nvSpPr>
+          <p:cNvPr id="6" name="流程图: 磁盘 5"/>
+          <p:cNvSpPr/>
+          <p:nvPr/>
+        </p:nvSpPr>
+        <p:spPr>
+          <a:xfrm>
+            <a:off x="7105850" y="327205"/>
+            <a:ext cx="470647" cy="439278"/>
+          </a:xfrm>
+          <a:prstGeom prst="flowChartMagneticDisk">
+            <a:avLst/>
+          </a:prstGeom>
+        </p:spPr>
+        <p:style>
+          <a:lnRef idx="2">
+            <a:schemeClr val="accent1">
+              <a:shade val="50000"/>
+            </a:schemeClr>
+          </a:lnRef>
+          <a:fillRef idx="1">
+            <a:schemeClr val="accent1"/>
+          </a:fillRef>
+          <a:effectRef idx="0">
+            <a:schemeClr val="accent1"/>
+          </a:effectRef>
+          <a:fontRef idx="minor">
+            <a:schemeClr val="lt1"/>
+          </a:fontRef>
+        </p:style>
+        <p:txBody>
+          <a:bodyPr rtlCol="0" anchor="ctr"/>
+          <a:lstStyle/>
+          <a:p>
+            <a:pPr algn="ctr"/>
+            <a:r>
+              <a:rPr lang="en-US" altLang="zh-CN" dirty="0" smtClean="0"/>
+              <a:t>1</a:t>
+            </a:r>
+            <a:endParaRPr lang="zh-CN" altLang="en-US" dirty="0"/>
+          </a:p>
+        </p:txBody>
+      </p:sp>
+      <p:sp>
+        <p:nvSpPr>
+          <p:cNvPr id="8" name="流程图: 磁盘 7"/>
+          <p:cNvSpPr/>
+          <p:nvPr/>
+        </p:nvSpPr>
+        <p:spPr>
+          <a:xfrm>
+            <a:off x="8363572" y="1567003"/>
+            <a:ext cx="470647" cy="439278"/>
+          </a:xfrm>
+          <a:prstGeom prst="flowChartMagneticDisk">
+            <a:avLst/>
+          </a:prstGeom>
+        </p:spPr>
+        <p:style>
+          <a:lnRef idx="2">
+            <a:schemeClr val="accent1">
+              <a:shade val="50000"/>
+            </a:schemeClr>
+          </a:lnRef>
+          <a:fillRef idx="1">
+            <a:schemeClr val="accent1"/>
+          </a:fillRef>
+          <a:effectRef idx="0">
+            <a:schemeClr val="accent1"/>
+          </a:effectRef>
+          <a:fontRef idx="minor">
+            <a:schemeClr val="lt1"/>
+          </a:fontRef>
+        </p:style>
+        <p:txBody>
+          <a:bodyPr rtlCol="0" anchor="ctr"/>
+          <a:lstStyle/>
+          <a:p>
+            <a:pPr algn="ctr"/>
+            <a:r>
+              <a:rPr lang="en-US" altLang="zh-CN" dirty="0" smtClean="0"/>
+              <a:t>2</a:t>
+            </a:r>
+            <a:endParaRPr lang="zh-CN" altLang="en-US" dirty="0"/>
+          </a:p>
+        </p:txBody>
+      </p:sp>
+      <p:sp>
+        <p:nvSpPr>
+          <p:cNvPr id="10" name="流程图: 磁盘 9"/>
+          <p:cNvSpPr/>
+          <p:nvPr/>
+        </p:nvSpPr>
+        <p:spPr>
+          <a:xfrm>
+            <a:off x="8222590" y="5106291"/>
+            <a:ext cx="470647" cy="439278"/>
+          </a:xfrm>
+          <a:prstGeom prst="flowChartMagneticDisk">
+            <a:avLst/>
+          </a:prstGeom>
+        </p:spPr>
+        <p:style>
+          <a:lnRef idx="2">
+            <a:schemeClr val="accent1">
+              <a:shade val="50000"/>
+            </a:schemeClr>
+          </a:lnRef>
+          <a:fillRef idx="1">
+            <a:schemeClr val="accent1"/>
+          </a:fillRef>
+          <a:effectRef idx="0">
+            <a:schemeClr val="accent1"/>
+          </a:effectRef>
+          <a:fontRef idx="minor">
+            <a:schemeClr val="lt1"/>
+          </a:fontRef>
+        </p:style>
+        <p:txBody>
+          <a:bodyPr rtlCol="0" anchor="ctr"/>
+          <a:lstStyle/>
+          <a:p>
+            <a:pPr algn="ctr"/>
+            <a:r>
+              <a:rPr lang="en-US" altLang="zh-CN" dirty="0" smtClean="0"/>
+              <a:t>3</a:t>
+            </a:r>
+            <a:endParaRPr lang="zh-CN" altLang="en-US" dirty="0"/>
+          </a:p>
+        </p:txBody>
+      </p:sp>
+      <p:sp>
+        <p:nvSpPr>
+          <p:cNvPr id="13" name="流程图: 磁盘 12"/>
+          <p:cNvSpPr/>
+          <p:nvPr/>
+        </p:nvSpPr>
+        <p:spPr>
+          <a:xfrm>
+            <a:off x="6187398" y="6297699"/>
+            <a:ext cx="470647" cy="439278"/>
+          </a:xfrm>
+          <a:prstGeom prst="flowChartMagneticDisk">
+            <a:avLst/>
+          </a:prstGeom>
+        </p:spPr>
+        <p:style>
+          <a:lnRef idx="2">
+            <a:schemeClr val="accent1">
+              <a:shade val="50000"/>
+            </a:schemeClr>
+          </a:lnRef>
+          <a:fillRef idx="1">
+            <a:schemeClr val="accent1"/>
+          </a:fillRef>
+          <a:effectRef idx="0">
+            <a:schemeClr val="accent1"/>
+          </a:effectRef>
+          <a:fontRef idx="minor">
+            <a:schemeClr val="lt1"/>
+          </a:fontRef>
+        </p:style>
+        <p:txBody>
+          <a:bodyPr rtlCol="0" anchor="ctr"/>
+          <a:lstStyle/>
+          <a:p>
+            <a:pPr algn="ctr"/>
+            <a:r>
+              <a:rPr lang="en-US" altLang="zh-CN" dirty="0" smtClean="0"/>
+              <a:t>4</a:t>
+            </a:r>
+            <a:endParaRPr lang="zh-CN" altLang="en-US" dirty="0"/>
+          </a:p>
+        </p:txBody>
+      </p:sp>
+      <p:sp>
+        <p:nvSpPr>
+          <p:cNvPr id="15" name="流程图: 磁盘 14"/>
+          <p:cNvSpPr/>
+          <p:nvPr/>
+        </p:nvSpPr>
+        <p:spPr>
+          <a:xfrm>
+            <a:off x="2310032" y="2268506"/>
+            <a:ext cx="470647" cy="439278"/>
+          </a:xfrm>
+          <a:prstGeom prst="flowChartMagneticDisk">
+            <a:avLst/>
+          </a:prstGeom>
+        </p:spPr>
+        <p:style>
+          <a:lnRef idx="2">
+            <a:schemeClr val="accent1">
+              <a:shade val="50000"/>
+            </a:schemeClr>
+          </a:lnRef>
+          <a:fillRef idx="1">
+            <a:schemeClr val="accent1"/>
+          </a:fillRef>
+          <a:effectRef idx="0">
+            <a:schemeClr val="accent1"/>
+          </a:effectRef>
+          <a:fontRef idx="minor">
+            <a:schemeClr val="lt1"/>
+          </a:fontRef>
+        </p:style>
+        <p:txBody>
+          <a:bodyPr rtlCol="0" anchor="ctr"/>
+          <a:lstStyle/>
+          <a:p>
+            <a:pPr algn="ctr"/>
+            <a:r>
+              <a:rPr lang="en-US" altLang="zh-CN" dirty="0" smtClean="0"/>
+              <a:t>6</a:t>
+            </a:r>
+            <a:endParaRPr lang="zh-CN" altLang="en-US" dirty="0"/>
+          </a:p>
+        </p:txBody>
+      </p:sp>
+      <p:sp>
+        <p:nvSpPr>
+          <p:cNvPr id="17" name="流程图: 磁盘 16"/>
+          <p:cNvSpPr/>
+          <p:nvPr/>
+        </p:nvSpPr>
+        <p:spPr>
+          <a:xfrm>
+            <a:off x="2545355" y="4727069"/>
+            <a:ext cx="470647" cy="439278"/>
+          </a:xfrm>
+          <a:prstGeom prst="flowChartMagneticDisk">
+            <a:avLst/>
+          </a:prstGeom>
+        </p:spPr>
+        <p:style>
+          <a:lnRef idx="2">
+            <a:schemeClr val="accent1">
+              <a:shade val="50000"/>
+            </a:schemeClr>
+          </a:lnRef>
+          <a:fillRef idx="1">
+            <a:schemeClr val="accent1"/>
+          </a:fillRef>
+          <a:effectRef idx="0">
+            <a:schemeClr val="accent1"/>
+          </a:effectRef>
+          <a:fontRef idx="minor">
+            <a:schemeClr val="lt1"/>
+          </a:fontRef>
+        </p:style>
+        <p:txBody>
+          <a:bodyPr rtlCol="0" anchor="ctr"/>
+          <a:lstStyle/>
+          <a:p>
+            <a:pPr algn="ctr"/>
+            <a:r>
+              <a:rPr lang="en-US" altLang="zh-CN" dirty="0" smtClean="0"/>
+              <a:t>5</a:t>
+            </a:r>
+            <a:endParaRPr lang="zh-CN" altLang="en-US" dirty="0"/>
+          </a:p>
+        </p:txBody>
+      </p:sp>
+      <p:sp>
+        <p:nvSpPr>
+          <p:cNvPr id="18" name="椭圆 17"/>
+          <p:cNvSpPr/>
+          <p:nvPr/>
+        </p:nvSpPr>
+        <p:spPr>
+          <a:xfrm>
+            <a:off x="8656256" y="2906347"/>
+            <a:ext cx="852120" cy="831028"/>
+          </a:xfrm>
+          <a:prstGeom prst="ellipse">
+            <a:avLst/>
+          </a:prstGeom>
+        </p:spPr>
+        <p:style>
+          <a:lnRef idx="2">
+            <a:schemeClr val="accent2">
+              <a:shade val="50000"/>
+            </a:schemeClr>
+          </a:lnRef>
+          <a:fillRef idx="1">
+            <a:schemeClr val="accent2"/>
+          </a:fillRef>
+          <a:effectRef idx="0">
+            <a:schemeClr val="accent2"/>
+          </a:effectRef>
+          <a:fontRef idx="minor">
+            <a:schemeClr val="lt1"/>
+          </a:fontRef>
+        </p:style>
+        <p:txBody>
+          <a:bodyPr rtlCol="0" anchor="ctr"/>
+          <a:lstStyle/>
+          <a:p>
+            <a:pPr algn="ctr"/>
+            <a:r>
+              <a:rPr lang="en-US" altLang="zh-CN" sz="4000" dirty="0" smtClean="0"/>
+              <a:t>A</a:t>
+            </a:r>
+            <a:endParaRPr lang="zh-CN" altLang="en-US" sz="4000" dirty="0"/>
+          </a:p>
+        </p:txBody>
+      </p:sp>
+      <p:sp>
+        <p:nvSpPr>
+          <p:cNvPr id="19" name="椭圆 18"/>
+          <p:cNvSpPr/>
+          <p:nvPr/>
+        </p:nvSpPr>
+        <p:spPr>
+          <a:xfrm>
+            <a:off x="3616797" y="5905949"/>
+            <a:ext cx="852120" cy="831028"/>
+          </a:xfrm>
+          <a:prstGeom prst="ellipse">
+            <a:avLst/>
+          </a:prstGeom>
+        </p:spPr>
+        <p:style>
+          <a:lnRef idx="2">
+            <a:schemeClr val="accent2">
+              <a:shade val="50000"/>
+            </a:schemeClr>
+          </a:lnRef>
+          <a:fillRef idx="1">
+            <a:schemeClr val="accent2"/>
+          </a:fillRef>
+          <a:effectRef idx="0">
+            <a:schemeClr val="accent2"/>
+          </a:effectRef>
+          <a:fontRef idx="minor">
+            <a:schemeClr val="lt1"/>
+          </a:fontRef>
+        </p:style>
+        <p:txBody>
+          <a:bodyPr rtlCol="0" anchor="ctr"/>
+          <a:lstStyle/>
+          <a:p>
+            <a:pPr algn="ctr"/>
+            <a:r>
+              <a:rPr lang="en-US" altLang="zh-CN" sz="4000" dirty="0" smtClean="0"/>
+              <a:t>B</a:t>
+            </a:r>
+            <a:endParaRPr lang="zh-CN" altLang="en-US" sz="4000" dirty="0"/>
+          </a:p>
+        </p:txBody>
+      </p:sp>
+      <p:sp>
+        <p:nvSpPr>
+          <p:cNvPr id="20" name="椭圆 19"/>
+          <p:cNvSpPr/>
+          <p:nvPr/>
+        </p:nvSpPr>
+        <p:spPr>
+          <a:xfrm>
+            <a:off x="3616797" y="131764"/>
+            <a:ext cx="852120" cy="831028"/>
+          </a:xfrm>
+          <a:prstGeom prst="ellipse">
+            <a:avLst/>
+          </a:prstGeom>
+        </p:spPr>
+        <p:style>
+          <a:lnRef idx="2">
+            <a:schemeClr val="accent2">
+              <a:shade val="50000"/>
+            </a:schemeClr>
+          </a:lnRef>
+          <a:fillRef idx="1">
+            <a:schemeClr val="accent2"/>
+          </a:fillRef>
+          <a:effectRef idx="0">
+            <a:schemeClr val="accent2"/>
+          </a:effectRef>
+          <a:fontRef idx="minor">
+            <a:schemeClr val="lt1"/>
+          </a:fontRef>
+        </p:style>
+        <p:txBody>
+          <a:bodyPr rtlCol="0" anchor="ctr"/>
+          <a:lstStyle/>
+          <a:p>
+            <a:pPr algn="ctr"/>
+            <a:r>
+              <a:rPr lang="en-US" altLang="zh-CN" sz="4000" dirty="0"/>
+              <a:t>C</a:t>
+            </a:r>
+            <a:endParaRPr lang="zh-CN" altLang="en-US" sz="4000" dirty="0"/>
+          </a:p>
+        </p:txBody>
+      </p:sp>
+      <p:sp>
+        <p:nvSpPr>
+          <p:cNvPr id="21" name="左箭头 20"/>
+          <p:cNvSpPr/>
+          <p:nvPr/>
+        </p:nvSpPr>
+        <p:spPr>
+          <a:xfrm>
+            <a:off x="8565276" y="866563"/>
+            <a:ext cx="1809706" cy="484632"/>
+          </a:xfrm>
+          <a:prstGeom prst="leftArrow">
+            <a:avLst/>
+          </a:prstGeom>
+        </p:spPr>
+        <p:style>
+          <a:lnRef idx="2">
+            <a:schemeClr val="accent1">
+              <a:shade val="50000"/>
+            </a:schemeClr>
+          </a:lnRef>
+          <a:fillRef idx="1">
+            <a:schemeClr val="accent1"/>
+          </a:fillRef>
+          <a:effectRef idx="0">
+            <a:schemeClr val="accent1"/>
+          </a:effectRef>
+          <a:fontRef idx="minor">
+            <a:schemeClr val="lt1"/>
+          </a:fontRef>
+        </p:style>
+        <p:txBody>
+          <a:bodyPr rtlCol="0" anchor="ctr"/>
+          <a:lstStyle/>
+          <a:p>
+            <a:pPr algn="ctr"/>
+            <a:r>
+              <a:rPr lang="en-US" altLang="zh-CN" dirty="0"/>
+              <a:t>h</a:t>
+            </a:r>
+            <a:r>
+              <a:rPr lang="en-US" altLang="zh-CN" dirty="0" smtClean="0"/>
+              <a:t>ash(key)</a:t>
+            </a:r>
+            <a:endParaRPr lang="zh-CN" altLang="en-US" dirty="0"/>
+          </a:p>
+        </p:txBody>
+      </p:sp>
+      <p:sp>
+        <p:nvSpPr>
+          <p:cNvPr id="22" name="流程图: 磁盘 21"/>
+          <p:cNvSpPr/>
+          <p:nvPr/>
+        </p:nvSpPr>
+        <p:spPr>
+          <a:xfrm>
+            <a:off x="10525886" y="5106291"/>
+            <a:ext cx="850326" cy="650786"/>
+          </a:xfrm>
+          <a:prstGeom prst="flowChartMagneticDisk">
+            <a:avLst/>
+          </a:prstGeom>
+        </p:spPr>
+        <p:style>
+          <a:lnRef idx="2">
+            <a:schemeClr val="accent1">
+              <a:shade val="50000"/>
+            </a:schemeClr>
+          </a:lnRef>
+          <a:fillRef idx="1">
+            <a:schemeClr val="accent1"/>
+          </a:fillRef>
+          <a:effectRef idx="0">
+            <a:schemeClr val="accent1"/>
+          </a:effectRef>
+          <a:fontRef idx="minor">
+            <a:schemeClr val="lt1"/>
+          </a:fontRef>
+        </p:style>
+        <p:txBody>
+          <a:bodyPr rtlCol="0" anchor="ctr"/>
+          <a:lstStyle/>
+          <a:p>
+            <a:pPr algn="ctr"/>
+            <a:r>
+              <a:rPr lang="zh-CN" altLang="en-US" dirty="0" smtClean="0"/>
+              <a:t>桶</a:t>
+            </a:r>
+            <a:endParaRPr lang="en-US" altLang="zh-CN" dirty="0" smtClean="0"/>
+          </a:p>
+        </p:txBody>
+      </p:sp>
+      <p:sp>
+        <p:nvSpPr>
+          <p:cNvPr id="23" name="椭圆 22"/>
+          <p:cNvSpPr/>
+          <p:nvPr/>
+        </p:nvSpPr>
+        <p:spPr>
+          <a:xfrm>
+            <a:off x="10540638" y="5905949"/>
+            <a:ext cx="852120" cy="831028"/>
+          </a:xfrm>
+          <a:prstGeom prst="ellipse">
+            <a:avLst/>
+          </a:prstGeom>
+        </p:spPr>
+        <p:style>
+          <a:lnRef idx="2">
+            <a:schemeClr val="accent2">
+              <a:shade val="50000"/>
+            </a:schemeClr>
+          </a:lnRef>
+          <a:fillRef idx="1">
+            <a:schemeClr val="accent2"/>
+          </a:fillRef>
+          <a:effectRef idx="0">
+            <a:schemeClr val="accent2"/>
+          </a:effectRef>
+          <a:fontRef idx="minor">
+            <a:schemeClr val="lt1"/>
+          </a:fontRef>
+        </p:style>
+        <p:txBody>
+          <a:bodyPr rtlCol="0" anchor="ctr"/>
+          <a:lstStyle/>
+          <a:p>
+            <a:pPr algn="ctr"/>
+            <a:r>
+              <a:rPr lang="zh-CN" altLang="en-US" sz="1400" dirty="0"/>
+              <a:t>节点</a:t>
+            </a:r>
+          </a:p>
+        </p:txBody>
+      </p:sp>
+      <p:sp>
+        <p:nvSpPr>
+          <p:cNvPr id="25" name="流程图: 文档 24"/>
+          <p:cNvSpPr/>
+          <p:nvPr/>
+        </p:nvSpPr>
+        <p:spPr>
+          <a:xfrm>
+            <a:off x="7808400" y="990038"/>
+            <a:ext cx="560280" cy="361157"/>
+          </a:xfrm>
+          <a:prstGeom prst="flowChartDocument">
+            <a:avLst/>
+          </a:prstGeom>
+        </p:spPr>
+        <p:style>
+          <a:lnRef idx="2">
+            <a:schemeClr val="accent1">
+              <a:shade val="50000"/>
+            </a:schemeClr>
+          </a:lnRef>
+          <a:fillRef idx="1">
+            <a:schemeClr val="accent1"/>
+          </a:fillRef>
+          <a:effectRef idx="0">
+            <a:schemeClr val="accent1"/>
+          </a:effectRef>
+          <a:fontRef idx="minor">
+            <a:schemeClr val="lt1"/>
+          </a:fontRef>
+        </p:style>
+        <p:txBody>
+          <a:bodyPr rtlCol="0" anchor="ctr"/>
+          <a:lstStyle/>
+          <a:p>
+            <a:pPr algn="ctr"/>
+            <a:endParaRPr lang="zh-CN" altLang="en-US"/>
+          </a:p>
+        </p:txBody>
+      </p:sp>
+      <p:sp>
+        <p:nvSpPr>
+          <p:cNvPr id="26" name="流程图: 文档 25"/>
+          <p:cNvSpPr/>
+          <p:nvPr/>
+        </p:nvSpPr>
+        <p:spPr>
+          <a:xfrm>
+            <a:off x="10614046" y="4262156"/>
+            <a:ext cx="705303" cy="464913"/>
+          </a:xfrm>
+          <a:prstGeom prst="flowChartDocument">
+            <a:avLst/>
+          </a:prstGeom>
+        </p:spPr>
+        <p:style>
+          <a:lnRef idx="2">
+            <a:schemeClr val="accent1">
+              <a:shade val="50000"/>
+            </a:schemeClr>
+          </a:lnRef>
+          <a:fillRef idx="1">
+            <a:schemeClr val="accent1"/>
+          </a:fillRef>
+          <a:effectRef idx="0">
+            <a:schemeClr val="accent1"/>
+          </a:effectRef>
+          <a:fontRef idx="minor">
+            <a:schemeClr val="lt1"/>
+          </a:fontRef>
+        </p:style>
+        <p:txBody>
+          <a:bodyPr rtlCol="0" anchor="ctr"/>
+          <a:lstStyle/>
+          <a:p>
+            <a:pPr algn="ctr"/>
+            <a:r>
+              <a:rPr lang="zh-CN" altLang="en-US" dirty="0"/>
+              <a:t>数据</a:t>
+            </a:r>
           </a:p>
         </p:txBody>
       </p:sp>
     </p:spTree>
     <p:extLst>
       <p:ext uri="{BB962C8B-B14F-4D97-AF65-F5344CB8AC3E}">
-        <p14:creationId xmlns:p14="http://schemas.microsoft.com/office/powerpoint/2010/main" val="1551989402"/>
+        <p14:creationId xmlns:p14="http://schemas.microsoft.com/office/powerpoint/2010/main" val="3374241270"/>
+      </p:ext>
+    </p:extLst>
+  </p:cSld>
+  <p:clrMapOvr>
+    <a:masterClrMapping/>
+  </p:clrMapOvr>
+</p:sld>
+</file>
+
+<file path=ppt/slides/slide4.xml><?xml version="1.0" encoding="utf-8"?>
+<p:sld xmlns:a="http://schemas.openxmlformats.org/drawingml/2006/main" xmlns:r="http://schemas.openxmlformats.org/officeDocument/2006/relationships" xmlns:p="http://schemas.openxmlformats.org/presentationml/2006/main">
+  <p:cSld>
+    <p:spTree>
+      <p:nvGrpSpPr>
+        <p:cNvPr id="1" name=""/>
+        <p:cNvGrpSpPr/>
+        <p:nvPr/>
+      </p:nvGrpSpPr>
+      <p:grpSpPr>
+        <a:xfrm>
+          <a:off x="0" y="0"/>
+          <a:ext cx="0" cy="0"/>
+          <a:chOff x="0" y="0"/>
+          <a:chExt cx="0" cy="0"/>
+        </a:xfrm>
+      </p:grpSpPr>
+      <p:sp>
+        <p:nvSpPr>
+          <p:cNvPr id="4" name="矩形 3"/>
+          <p:cNvSpPr/>
+          <p:nvPr/>
+        </p:nvSpPr>
+        <p:spPr>
+          <a:xfrm>
+            <a:off x="3067720" y="726480"/>
+            <a:ext cx="3861996" cy="2267352"/>
+          </a:xfrm>
+          <a:prstGeom prst="rect">
+            <a:avLst/>
+          </a:prstGeom>
+        </p:spPr>
+        <p:style>
+          <a:lnRef idx="2">
+            <a:schemeClr val="dk1"/>
+          </a:lnRef>
+          <a:fillRef idx="1">
+            <a:schemeClr val="lt1"/>
+          </a:fillRef>
+          <a:effectRef idx="0">
+            <a:schemeClr val="dk1"/>
+          </a:effectRef>
+          <a:fontRef idx="minor">
+            <a:schemeClr val="dk1"/>
+          </a:fontRef>
+        </p:style>
+        <p:txBody>
+          <a:bodyPr rtlCol="0" anchor="t"/>
+          <a:lstStyle/>
+          <a:p>
+            <a:pPr algn="ctr"/>
+            <a:r>
+              <a:rPr lang="en-US" altLang="zh-CN" dirty="0" smtClean="0"/>
+              <a:t>Broker1</a:t>
+            </a:r>
+            <a:endParaRPr lang="zh-CN" altLang="en-US" dirty="0"/>
+          </a:p>
+        </p:txBody>
+      </p:sp>
+      <p:sp>
+        <p:nvSpPr>
+          <p:cNvPr id="7" name="矩形 6"/>
+          <p:cNvSpPr/>
+          <p:nvPr/>
+        </p:nvSpPr>
+        <p:spPr>
+          <a:xfrm>
+            <a:off x="4801499" y="1109830"/>
+            <a:ext cx="1889761" cy="469752"/>
+          </a:xfrm>
+          <a:prstGeom prst="rect">
+            <a:avLst/>
+          </a:prstGeom>
+        </p:spPr>
+        <p:style>
+          <a:lnRef idx="1">
+            <a:schemeClr val="accent6"/>
+          </a:lnRef>
+          <a:fillRef idx="2">
+            <a:schemeClr val="accent6"/>
+          </a:fillRef>
+          <a:effectRef idx="1">
+            <a:schemeClr val="accent6"/>
+          </a:effectRef>
+          <a:fontRef idx="minor">
+            <a:schemeClr val="dk1"/>
+          </a:fontRef>
+        </p:style>
+        <p:txBody>
+          <a:bodyPr rtlCol="0" anchor="ctr"/>
+          <a:lstStyle/>
+          <a:p>
+            <a:pPr algn="ctr"/>
+            <a:r>
+              <a:rPr lang="en-US" altLang="zh-CN" dirty="0" smtClean="0"/>
+              <a:t>TopicA_1</a:t>
+            </a:r>
+            <a:r>
+              <a:rPr lang="zh-CN" altLang="en-US" dirty="0" smtClean="0"/>
+              <a:t>分区</a:t>
+            </a:r>
+            <a:endParaRPr lang="zh-CN" altLang="en-US" dirty="0"/>
+          </a:p>
+        </p:txBody>
+      </p:sp>
+      <p:sp>
+        <p:nvSpPr>
+          <p:cNvPr id="8" name="矩形 7"/>
+          <p:cNvSpPr/>
+          <p:nvPr/>
+        </p:nvSpPr>
+        <p:spPr>
+          <a:xfrm>
+            <a:off x="4801499" y="1731982"/>
+            <a:ext cx="1889761" cy="469752"/>
+          </a:xfrm>
+          <a:prstGeom prst="rect">
+            <a:avLst/>
+          </a:prstGeom>
+        </p:spPr>
+        <p:style>
+          <a:lnRef idx="1">
+            <a:schemeClr val="accent6"/>
+          </a:lnRef>
+          <a:fillRef idx="2">
+            <a:schemeClr val="accent6"/>
+          </a:fillRef>
+          <a:effectRef idx="1">
+            <a:schemeClr val="accent6"/>
+          </a:effectRef>
+          <a:fontRef idx="minor">
+            <a:schemeClr val="dk1"/>
+          </a:fontRef>
+        </p:style>
+        <p:txBody>
+          <a:bodyPr rtlCol="0" anchor="ctr"/>
+          <a:lstStyle/>
+          <a:p>
+            <a:pPr algn="ctr"/>
+            <a:r>
+              <a:rPr lang="en-US" altLang="zh-CN" dirty="0" smtClean="0"/>
+              <a:t>TopicA_2</a:t>
+            </a:r>
+            <a:r>
+              <a:rPr lang="zh-CN" altLang="en-US" dirty="0" smtClean="0"/>
+              <a:t>分区</a:t>
+            </a:r>
+            <a:endParaRPr lang="zh-CN" altLang="en-US" dirty="0"/>
+          </a:p>
+        </p:txBody>
+      </p:sp>
+      <p:sp>
+        <p:nvSpPr>
+          <p:cNvPr id="9" name="矩形 8"/>
+          <p:cNvSpPr/>
+          <p:nvPr/>
+        </p:nvSpPr>
+        <p:spPr>
+          <a:xfrm>
+            <a:off x="4801499" y="2372955"/>
+            <a:ext cx="1889761" cy="469752"/>
+          </a:xfrm>
+          <a:prstGeom prst="rect">
+            <a:avLst/>
+          </a:prstGeom>
+        </p:spPr>
+        <p:style>
+          <a:lnRef idx="1">
+            <a:schemeClr val="accent3"/>
+          </a:lnRef>
+          <a:fillRef idx="2">
+            <a:schemeClr val="accent3"/>
+          </a:fillRef>
+          <a:effectRef idx="1">
+            <a:schemeClr val="accent3"/>
+          </a:effectRef>
+          <a:fontRef idx="minor">
+            <a:schemeClr val="dk1"/>
+          </a:fontRef>
+        </p:style>
+        <p:txBody>
+          <a:bodyPr rtlCol="0" anchor="ctr"/>
+          <a:lstStyle/>
+          <a:p>
+            <a:pPr algn="ctr"/>
+            <a:r>
+              <a:rPr lang="en-US" altLang="zh-CN" dirty="0" smtClean="0"/>
+              <a:t>TopicB_1</a:t>
+            </a:r>
+            <a:r>
+              <a:rPr lang="zh-CN" altLang="en-US" dirty="0" smtClean="0"/>
+              <a:t>分区</a:t>
+            </a:r>
+            <a:endParaRPr lang="zh-CN" altLang="en-US" dirty="0"/>
+          </a:p>
+        </p:txBody>
+      </p:sp>
+      <p:sp>
+        <p:nvSpPr>
+          <p:cNvPr id="11" name="矩形 10"/>
+          <p:cNvSpPr/>
+          <p:nvPr/>
+        </p:nvSpPr>
+        <p:spPr>
+          <a:xfrm>
+            <a:off x="3254186" y="2073683"/>
+            <a:ext cx="1171910" cy="250868"/>
+          </a:xfrm>
+          <a:prstGeom prst="rect">
+            <a:avLst/>
+          </a:prstGeom>
+        </p:spPr>
+        <p:style>
+          <a:lnRef idx="2">
+            <a:schemeClr val="dk1"/>
+          </a:lnRef>
+          <a:fillRef idx="1">
+            <a:schemeClr val="lt1"/>
+          </a:fillRef>
+          <a:effectRef idx="0">
+            <a:schemeClr val="dk1"/>
+          </a:effectRef>
+          <a:fontRef idx="minor">
+            <a:schemeClr val="dk1"/>
+          </a:fontRef>
+        </p:style>
+        <p:txBody>
+          <a:bodyPr rtlCol="0" anchor="ctr"/>
+          <a:lstStyle/>
+          <a:p>
+            <a:pPr algn="ctr"/>
+            <a:r>
+              <a:rPr lang="en-US" altLang="zh-CN" sz="1000" dirty="0" smtClean="0"/>
+              <a:t>000000…..meta</a:t>
+            </a:r>
+            <a:endParaRPr lang="zh-CN" altLang="en-US" sz="1000" dirty="0"/>
+          </a:p>
+        </p:txBody>
+      </p:sp>
+      <p:sp>
+        <p:nvSpPr>
+          <p:cNvPr id="12" name="矩形 11"/>
+          <p:cNvSpPr/>
+          <p:nvPr/>
+        </p:nvSpPr>
+        <p:spPr>
+          <a:xfrm>
+            <a:off x="3254186" y="1804517"/>
+            <a:ext cx="1161824" cy="253035"/>
+          </a:xfrm>
+          <a:prstGeom prst="rect">
+            <a:avLst/>
+          </a:prstGeom>
+        </p:spPr>
+        <p:style>
+          <a:lnRef idx="2">
+            <a:schemeClr val="dk1"/>
+          </a:lnRef>
+          <a:fillRef idx="1">
+            <a:schemeClr val="lt1"/>
+          </a:fillRef>
+          <a:effectRef idx="0">
+            <a:schemeClr val="dk1"/>
+          </a:effectRef>
+          <a:fontRef idx="minor">
+            <a:schemeClr val="dk1"/>
+          </a:fontRef>
+        </p:style>
+        <p:txBody>
+          <a:bodyPr rtlCol="0" anchor="ctr"/>
+          <a:lstStyle/>
+          <a:p>
+            <a:pPr algn="ctr"/>
+            <a:r>
+              <a:rPr lang="en-US" altLang="zh-CN" sz="1000" dirty="0" smtClean="0"/>
+              <a:t>0000002048.meta</a:t>
+            </a:r>
+            <a:endParaRPr lang="zh-CN" altLang="en-US" sz="1000" dirty="0"/>
+          </a:p>
+        </p:txBody>
+      </p:sp>
+      <p:sp>
+        <p:nvSpPr>
+          <p:cNvPr id="13" name="矩形 12"/>
+          <p:cNvSpPr/>
+          <p:nvPr/>
+        </p:nvSpPr>
+        <p:spPr>
+          <a:xfrm>
+            <a:off x="3240740" y="1543186"/>
+            <a:ext cx="1175270" cy="251982"/>
+          </a:xfrm>
+          <a:prstGeom prst="rect">
+            <a:avLst/>
+          </a:prstGeom>
+        </p:spPr>
+        <p:style>
+          <a:lnRef idx="2">
+            <a:schemeClr val="dk1"/>
+          </a:lnRef>
+          <a:fillRef idx="1">
+            <a:schemeClr val="lt1"/>
+          </a:fillRef>
+          <a:effectRef idx="0">
+            <a:schemeClr val="dk1"/>
+          </a:effectRef>
+          <a:fontRef idx="minor">
+            <a:schemeClr val="dk1"/>
+          </a:fontRef>
+        </p:style>
+        <p:txBody>
+          <a:bodyPr rtlCol="0" anchor="ctr"/>
+          <a:lstStyle/>
+          <a:p>
+            <a:pPr algn="ctr"/>
+            <a:r>
+              <a:rPr lang="en-US" altLang="zh-CN" sz="1000" dirty="0" smtClean="0"/>
+              <a:t>0000001024.meta</a:t>
+            </a:r>
+            <a:endParaRPr lang="zh-CN" altLang="en-US" sz="1000" dirty="0"/>
+          </a:p>
+        </p:txBody>
+      </p:sp>
+      <p:sp>
+        <p:nvSpPr>
+          <p:cNvPr id="14" name="矩形 13"/>
+          <p:cNvSpPr/>
+          <p:nvPr/>
+        </p:nvSpPr>
+        <p:spPr>
+          <a:xfrm>
+            <a:off x="3240740" y="1279404"/>
+            <a:ext cx="1185356" cy="270052"/>
+          </a:xfrm>
+          <a:prstGeom prst="rect">
+            <a:avLst/>
+          </a:prstGeom>
+        </p:spPr>
+        <p:style>
+          <a:lnRef idx="2">
+            <a:schemeClr val="dk1"/>
+          </a:lnRef>
+          <a:fillRef idx="1">
+            <a:schemeClr val="lt1"/>
+          </a:fillRef>
+          <a:effectRef idx="0">
+            <a:schemeClr val="dk1"/>
+          </a:effectRef>
+          <a:fontRef idx="minor">
+            <a:schemeClr val="dk1"/>
+          </a:fontRef>
+        </p:style>
+        <p:txBody>
+          <a:bodyPr rtlCol="0" anchor="ctr"/>
+          <a:lstStyle/>
+          <a:p>
+            <a:pPr algn="ctr"/>
+            <a:r>
+              <a:rPr lang="en-US" altLang="zh-CN" sz="1000" dirty="0" smtClean="0"/>
+              <a:t>0000000000.meta</a:t>
+            </a:r>
+            <a:endParaRPr lang="zh-CN" altLang="en-US" sz="1000" dirty="0"/>
+          </a:p>
+        </p:txBody>
+      </p:sp>
+      <p:sp>
+        <p:nvSpPr>
+          <p:cNvPr id="17" name="椭圆 16"/>
+          <p:cNvSpPr/>
+          <p:nvPr/>
+        </p:nvSpPr>
+        <p:spPr>
+          <a:xfrm>
+            <a:off x="1410148" y="1524896"/>
+            <a:ext cx="1161826" cy="712234"/>
+          </a:xfrm>
+          <a:prstGeom prst="ellipse">
+            <a:avLst/>
+          </a:prstGeom>
+        </p:spPr>
+        <p:style>
+          <a:lnRef idx="1">
+            <a:schemeClr val="accent6"/>
+          </a:lnRef>
+          <a:fillRef idx="2">
+            <a:schemeClr val="accent6"/>
+          </a:fillRef>
+          <a:effectRef idx="1">
+            <a:schemeClr val="accent6"/>
+          </a:effectRef>
+          <a:fontRef idx="minor">
+            <a:schemeClr val="dk1"/>
+          </a:fontRef>
+        </p:style>
+        <p:txBody>
+          <a:bodyPr rtlCol="0" anchor="ctr"/>
+          <a:lstStyle/>
+          <a:p>
+            <a:pPr algn="ctr"/>
+            <a:r>
+              <a:rPr lang="en-US" altLang="zh-CN" dirty="0" err="1"/>
+              <a:t>T</a:t>
+            </a:r>
+            <a:r>
+              <a:rPr lang="en-US" altLang="zh-CN" dirty="0" err="1" smtClean="0"/>
+              <a:t>opicA</a:t>
+            </a:r>
+            <a:endParaRPr lang="zh-CN" altLang="en-US" dirty="0"/>
+          </a:p>
+        </p:txBody>
+      </p:sp>
+      <p:sp>
+        <p:nvSpPr>
+          <p:cNvPr id="18" name="椭圆 17"/>
+          <p:cNvSpPr/>
+          <p:nvPr/>
+        </p:nvSpPr>
+        <p:spPr>
+          <a:xfrm>
+            <a:off x="1410148" y="4807772"/>
+            <a:ext cx="1161826" cy="712234"/>
+          </a:xfrm>
+          <a:prstGeom prst="ellipse">
+            <a:avLst/>
+          </a:prstGeom>
+        </p:spPr>
+        <p:style>
+          <a:lnRef idx="1">
+            <a:schemeClr val="accent3"/>
+          </a:lnRef>
+          <a:fillRef idx="2">
+            <a:schemeClr val="accent3"/>
+          </a:fillRef>
+          <a:effectRef idx="1">
+            <a:schemeClr val="accent3"/>
+          </a:effectRef>
+          <a:fontRef idx="minor">
+            <a:schemeClr val="dk1"/>
+          </a:fontRef>
+        </p:style>
+        <p:txBody>
+          <a:bodyPr rtlCol="0" anchor="ctr"/>
+          <a:lstStyle/>
+          <a:p>
+            <a:pPr algn="ctr"/>
+            <a:r>
+              <a:rPr lang="en-US" altLang="zh-CN" dirty="0" err="1" smtClean="0"/>
+              <a:t>TopicB</a:t>
+            </a:r>
+            <a:endParaRPr lang="zh-CN" altLang="en-US" dirty="0"/>
+          </a:p>
+        </p:txBody>
+      </p:sp>
+      <p:cxnSp>
+        <p:nvCxnSpPr>
+          <p:cNvPr id="20" name="直接箭头连接符 19"/>
+          <p:cNvCxnSpPr>
+            <a:stCxn id="17" idx="6"/>
+            <a:endCxn id="7" idx="1"/>
+          </p:cNvCxnSpPr>
+          <p:nvPr/>
+        </p:nvCxnSpPr>
+        <p:spPr>
+          <a:xfrm flipV="1">
+            <a:off x="2571974" y="1344706"/>
+            <a:ext cx="2229525" cy="536307"/>
+          </a:xfrm>
+          <a:prstGeom prst="straightConnector1">
+            <a:avLst/>
+          </a:prstGeom>
+          <a:ln>
+            <a:tailEnd type="triangle"/>
+          </a:ln>
+        </p:spPr>
+        <p:style>
+          <a:lnRef idx="1">
+            <a:schemeClr val="accent6"/>
+          </a:lnRef>
+          <a:fillRef idx="0">
+            <a:schemeClr val="accent6"/>
+          </a:fillRef>
+          <a:effectRef idx="0">
+            <a:schemeClr val="accent6"/>
+          </a:effectRef>
+          <a:fontRef idx="minor">
+            <a:schemeClr val="tx1"/>
+          </a:fontRef>
+        </p:style>
+      </p:cxnSp>
+      <p:cxnSp>
+        <p:nvCxnSpPr>
+          <p:cNvPr id="21" name="直接箭头连接符 20"/>
+          <p:cNvCxnSpPr>
+            <a:stCxn id="17" idx="6"/>
+            <a:endCxn id="8" idx="1"/>
+          </p:cNvCxnSpPr>
+          <p:nvPr/>
+        </p:nvCxnSpPr>
+        <p:spPr>
+          <a:xfrm>
+            <a:off x="2571974" y="1881013"/>
+            <a:ext cx="2229525" cy="85845"/>
+          </a:xfrm>
+          <a:prstGeom prst="straightConnector1">
+            <a:avLst/>
+          </a:prstGeom>
+          <a:ln>
+            <a:tailEnd type="triangle"/>
+          </a:ln>
+        </p:spPr>
+        <p:style>
+          <a:lnRef idx="1">
+            <a:schemeClr val="accent6"/>
+          </a:lnRef>
+          <a:fillRef idx="0">
+            <a:schemeClr val="accent6"/>
+          </a:fillRef>
+          <a:effectRef idx="0">
+            <a:schemeClr val="accent6"/>
+          </a:effectRef>
+          <a:fontRef idx="minor">
+            <a:schemeClr val="tx1"/>
+          </a:fontRef>
+        </p:style>
+      </p:cxnSp>
+      <p:sp>
+        <p:nvSpPr>
+          <p:cNvPr id="24" name="矩形 23"/>
+          <p:cNvSpPr/>
+          <p:nvPr/>
+        </p:nvSpPr>
+        <p:spPr>
+          <a:xfrm>
+            <a:off x="3067720" y="3882975"/>
+            <a:ext cx="3861996" cy="2347491"/>
+          </a:xfrm>
+          <a:prstGeom prst="rect">
+            <a:avLst/>
+          </a:prstGeom>
+        </p:spPr>
+        <p:style>
+          <a:lnRef idx="2">
+            <a:schemeClr val="dk1"/>
+          </a:lnRef>
+          <a:fillRef idx="1">
+            <a:schemeClr val="lt1"/>
+          </a:fillRef>
+          <a:effectRef idx="0">
+            <a:schemeClr val="dk1"/>
+          </a:effectRef>
+          <a:fontRef idx="minor">
+            <a:schemeClr val="dk1"/>
+          </a:fontRef>
+        </p:style>
+        <p:txBody>
+          <a:bodyPr rtlCol="0" anchor="t"/>
+          <a:lstStyle/>
+          <a:p>
+            <a:pPr algn="ctr"/>
+            <a:r>
+              <a:rPr lang="en-US" altLang="zh-CN" dirty="0" smtClean="0"/>
+              <a:t>Broker2</a:t>
+            </a:r>
+            <a:endParaRPr lang="zh-CN" altLang="en-US" dirty="0"/>
+          </a:p>
+        </p:txBody>
+      </p:sp>
+      <p:sp>
+        <p:nvSpPr>
+          <p:cNvPr id="25" name="矩形 24"/>
+          <p:cNvSpPr/>
+          <p:nvPr/>
+        </p:nvSpPr>
+        <p:spPr>
+          <a:xfrm>
+            <a:off x="3231774" y="5392262"/>
+            <a:ext cx="1194322" cy="209776"/>
+          </a:xfrm>
+          <a:prstGeom prst="rect">
+            <a:avLst/>
+          </a:prstGeom>
+        </p:spPr>
+        <p:style>
+          <a:lnRef idx="2">
+            <a:schemeClr val="dk1"/>
+          </a:lnRef>
+          <a:fillRef idx="1">
+            <a:schemeClr val="lt1"/>
+          </a:fillRef>
+          <a:effectRef idx="0">
+            <a:schemeClr val="dk1"/>
+          </a:effectRef>
+          <a:fontRef idx="minor">
+            <a:schemeClr val="dk1"/>
+          </a:fontRef>
+        </p:style>
+        <p:txBody>
+          <a:bodyPr rtlCol="0" anchor="ctr"/>
+          <a:lstStyle/>
+          <a:p>
+            <a:pPr algn="ctr"/>
+            <a:r>
+              <a:rPr lang="en-US" altLang="zh-CN" sz="1000" dirty="0" smtClean="0"/>
+              <a:t>0000005120.meta</a:t>
+            </a:r>
+            <a:endParaRPr lang="zh-CN" altLang="en-US" sz="1000" dirty="0"/>
+          </a:p>
+        </p:txBody>
+      </p:sp>
+      <p:sp>
+        <p:nvSpPr>
+          <p:cNvPr id="26" name="矩形 25"/>
+          <p:cNvSpPr/>
+          <p:nvPr/>
+        </p:nvSpPr>
+        <p:spPr>
+          <a:xfrm>
+            <a:off x="4878589" y="4338913"/>
+            <a:ext cx="1889761" cy="469752"/>
+          </a:xfrm>
+          <a:prstGeom prst="rect">
+            <a:avLst/>
+          </a:prstGeom>
+        </p:spPr>
+        <p:style>
+          <a:lnRef idx="1">
+            <a:schemeClr val="accent6"/>
+          </a:lnRef>
+          <a:fillRef idx="2">
+            <a:schemeClr val="accent6"/>
+          </a:fillRef>
+          <a:effectRef idx="1">
+            <a:schemeClr val="accent6"/>
+          </a:effectRef>
+          <a:fontRef idx="minor">
+            <a:schemeClr val="dk1"/>
+          </a:fontRef>
+        </p:style>
+        <p:txBody>
+          <a:bodyPr rtlCol="0" anchor="ctr"/>
+          <a:lstStyle/>
+          <a:p>
+            <a:pPr algn="ctr"/>
+            <a:r>
+              <a:rPr lang="en-US" altLang="zh-CN" dirty="0" smtClean="0"/>
+              <a:t>TopicA_3</a:t>
+            </a:r>
+            <a:endParaRPr lang="zh-CN" altLang="en-US" dirty="0"/>
+          </a:p>
+        </p:txBody>
+      </p:sp>
+      <p:sp>
+        <p:nvSpPr>
+          <p:cNvPr id="27" name="矩形 26"/>
+          <p:cNvSpPr/>
+          <p:nvPr/>
+        </p:nvSpPr>
+        <p:spPr>
+          <a:xfrm>
+            <a:off x="4878589" y="4961065"/>
+            <a:ext cx="1889761" cy="469752"/>
+          </a:xfrm>
+          <a:prstGeom prst="rect">
+            <a:avLst/>
+          </a:prstGeom>
+        </p:spPr>
+        <p:style>
+          <a:lnRef idx="1">
+            <a:schemeClr val="accent6"/>
+          </a:lnRef>
+          <a:fillRef idx="2">
+            <a:schemeClr val="accent6"/>
+          </a:fillRef>
+          <a:effectRef idx="1">
+            <a:schemeClr val="accent6"/>
+          </a:effectRef>
+          <a:fontRef idx="minor">
+            <a:schemeClr val="dk1"/>
+          </a:fontRef>
+        </p:style>
+        <p:txBody>
+          <a:bodyPr rtlCol="0" anchor="ctr"/>
+          <a:lstStyle/>
+          <a:p>
+            <a:pPr algn="ctr"/>
+            <a:r>
+              <a:rPr lang="en-US" altLang="zh-CN" dirty="0" smtClean="0"/>
+              <a:t>TopicA_4</a:t>
+            </a:r>
+            <a:endParaRPr lang="zh-CN" altLang="en-US" dirty="0"/>
+          </a:p>
+        </p:txBody>
+      </p:sp>
+      <p:sp>
+        <p:nvSpPr>
+          <p:cNvPr id="28" name="矩形 27"/>
+          <p:cNvSpPr/>
+          <p:nvPr/>
+        </p:nvSpPr>
+        <p:spPr>
+          <a:xfrm>
+            <a:off x="4878589" y="5602038"/>
+            <a:ext cx="1889761" cy="469752"/>
+          </a:xfrm>
+          <a:prstGeom prst="rect">
+            <a:avLst/>
+          </a:prstGeom>
+        </p:spPr>
+        <p:style>
+          <a:lnRef idx="1">
+            <a:schemeClr val="accent3"/>
+          </a:lnRef>
+          <a:fillRef idx="2">
+            <a:schemeClr val="accent3"/>
+          </a:fillRef>
+          <a:effectRef idx="1">
+            <a:schemeClr val="accent3"/>
+          </a:effectRef>
+          <a:fontRef idx="minor">
+            <a:schemeClr val="dk1"/>
+          </a:fontRef>
+        </p:style>
+        <p:txBody>
+          <a:bodyPr rtlCol="0" anchor="ctr"/>
+          <a:lstStyle/>
+          <a:p>
+            <a:pPr algn="ctr"/>
+            <a:r>
+              <a:rPr lang="en-US" altLang="zh-CN" dirty="0" smtClean="0"/>
+              <a:t>TopicB_2</a:t>
+            </a:r>
+            <a:endParaRPr lang="zh-CN" altLang="en-US" dirty="0"/>
+          </a:p>
+        </p:txBody>
+      </p:sp>
+      <p:sp>
+        <p:nvSpPr>
+          <p:cNvPr id="29" name="矩形 28"/>
+          <p:cNvSpPr/>
+          <p:nvPr/>
+        </p:nvSpPr>
+        <p:spPr>
+          <a:xfrm>
+            <a:off x="3231774" y="5168582"/>
+            <a:ext cx="1194322" cy="230183"/>
+          </a:xfrm>
+          <a:prstGeom prst="rect">
+            <a:avLst/>
+          </a:prstGeom>
+        </p:spPr>
+        <p:style>
+          <a:lnRef idx="2">
+            <a:schemeClr val="dk1"/>
+          </a:lnRef>
+          <a:fillRef idx="1">
+            <a:schemeClr val="lt1"/>
+          </a:fillRef>
+          <a:effectRef idx="0">
+            <a:schemeClr val="dk1"/>
+          </a:effectRef>
+          <a:fontRef idx="minor">
+            <a:schemeClr val="dk1"/>
+          </a:fontRef>
+        </p:style>
+        <p:txBody>
+          <a:bodyPr rtlCol="0" anchor="ctr"/>
+          <a:lstStyle/>
+          <a:p>
+            <a:pPr algn="ctr"/>
+            <a:r>
+              <a:rPr lang="en-US" altLang="zh-CN" sz="1000" dirty="0" smtClean="0"/>
+              <a:t>0000004096.meta</a:t>
+            </a:r>
+            <a:endParaRPr lang="zh-CN" altLang="en-US" sz="1000" dirty="0"/>
+          </a:p>
+        </p:txBody>
+      </p:sp>
+      <p:sp>
+        <p:nvSpPr>
+          <p:cNvPr id="30" name="矩形 29"/>
+          <p:cNvSpPr/>
+          <p:nvPr/>
+        </p:nvSpPr>
+        <p:spPr>
+          <a:xfrm>
+            <a:off x="3231773" y="4956800"/>
+            <a:ext cx="1194323" cy="230633"/>
+          </a:xfrm>
+          <a:prstGeom prst="rect">
+            <a:avLst/>
+          </a:prstGeom>
+        </p:spPr>
+        <p:style>
+          <a:lnRef idx="2">
+            <a:schemeClr val="dk1"/>
+          </a:lnRef>
+          <a:fillRef idx="1">
+            <a:schemeClr val="lt1"/>
+          </a:fillRef>
+          <a:effectRef idx="0">
+            <a:schemeClr val="dk1"/>
+          </a:effectRef>
+          <a:fontRef idx="minor">
+            <a:schemeClr val="dk1"/>
+          </a:fontRef>
+        </p:style>
+        <p:txBody>
+          <a:bodyPr rtlCol="0" anchor="ctr"/>
+          <a:lstStyle/>
+          <a:p>
+            <a:pPr algn="ctr"/>
+            <a:r>
+              <a:rPr lang="en-US" altLang="zh-CN" sz="1000" dirty="0" smtClean="0"/>
+              <a:t>0000003072.meta</a:t>
+            </a:r>
+            <a:endParaRPr lang="zh-CN" altLang="en-US" sz="1000" dirty="0"/>
+          </a:p>
+        </p:txBody>
+      </p:sp>
+      <p:sp>
+        <p:nvSpPr>
+          <p:cNvPr id="31" name="矩形 30"/>
+          <p:cNvSpPr/>
+          <p:nvPr/>
+        </p:nvSpPr>
+        <p:spPr>
+          <a:xfrm>
+            <a:off x="3231774" y="4753978"/>
+            <a:ext cx="1194322" cy="202821"/>
+          </a:xfrm>
+          <a:prstGeom prst="rect">
+            <a:avLst/>
+          </a:prstGeom>
+        </p:spPr>
+        <p:style>
+          <a:lnRef idx="2">
+            <a:schemeClr val="dk1"/>
+          </a:lnRef>
+          <a:fillRef idx="1">
+            <a:schemeClr val="lt1"/>
+          </a:fillRef>
+          <a:effectRef idx="0">
+            <a:schemeClr val="dk1"/>
+          </a:effectRef>
+          <a:fontRef idx="minor">
+            <a:schemeClr val="dk1"/>
+          </a:fontRef>
+        </p:style>
+        <p:txBody>
+          <a:bodyPr rtlCol="0" anchor="ctr"/>
+          <a:lstStyle/>
+          <a:p>
+            <a:pPr algn="ctr"/>
+            <a:r>
+              <a:rPr lang="en-US" altLang="zh-CN" sz="1000" dirty="0" smtClean="0"/>
+              <a:t>0000002048.meta</a:t>
+            </a:r>
+            <a:endParaRPr lang="zh-CN" altLang="en-US" sz="1000" dirty="0"/>
+          </a:p>
+        </p:txBody>
+      </p:sp>
+      <p:sp>
+        <p:nvSpPr>
+          <p:cNvPr id="32" name="矩形 31"/>
+          <p:cNvSpPr/>
+          <p:nvPr/>
+        </p:nvSpPr>
+        <p:spPr>
+          <a:xfrm>
+            <a:off x="3231774" y="4576476"/>
+            <a:ext cx="1174204" cy="187609"/>
+          </a:xfrm>
+          <a:prstGeom prst="rect">
+            <a:avLst/>
+          </a:prstGeom>
+        </p:spPr>
+        <p:style>
+          <a:lnRef idx="2">
+            <a:schemeClr val="dk1"/>
+          </a:lnRef>
+          <a:fillRef idx="1">
+            <a:schemeClr val="lt1"/>
+          </a:fillRef>
+          <a:effectRef idx="0">
+            <a:schemeClr val="dk1"/>
+          </a:effectRef>
+          <a:fontRef idx="minor">
+            <a:schemeClr val="dk1"/>
+          </a:fontRef>
+        </p:style>
+        <p:txBody>
+          <a:bodyPr rtlCol="0" anchor="ctr"/>
+          <a:lstStyle/>
+          <a:p>
+            <a:pPr algn="ctr"/>
+            <a:r>
+              <a:rPr lang="en-US" altLang="zh-CN" sz="1000" dirty="0" smtClean="0"/>
+              <a:t>0000001024.meta</a:t>
+            </a:r>
+            <a:endParaRPr lang="zh-CN" altLang="en-US" sz="1000" dirty="0"/>
+          </a:p>
+        </p:txBody>
+      </p:sp>
+      <p:sp>
+        <p:nvSpPr>
+          <p:cNvPr id="33" name="矩形 32"/>
+          <p:cNvSpPr/>
+          <p:nvPr/>
+        </p:nvSpPr>
+        <p:spPr>
+          <a:xfrm>
+            <a:off x="3231774" y="4338914"/>
+            <a:ext cx="1174204" cy="180189"/>
+          </a:xfrm>
+          <a:prstGeom prst="rect">
+            <a:avLst/>
+          </a:prstGeom>
+        </p:spPr>
+        <p:style>
+          <a:lnRef idx="2">
+            <a:schemeClr val="dk1"/>
+          </a:lnRef>
+          <a:fillRef idx="1">
+            <a:schemeClr val="lt1"/>
+          </a:fillRef>
+          <a:effectRef idx="0">
+            <a:schemeClr val="dk1"/>
+          </a:effectRef>
+          <a:fontRef idx="minor">
+            <a:schemeClr val="dk1"/>
+          </a:fontRef>
+        </p:style>
+        <p:txBody>
+          <a:bodyPr rtlCol="0" anchor="ctr"/>
+          <a:lstStyle/>
+          <a:p>
+            <a:pPr algn="ctr"/>
+            <a:r>
+              <a:rPr lang="en-US" altLang="zh-CN" sz="1000" dirty="0" smtClean="0"/>
+              <a:t>0000000000.meta</a:t>
+            </a:r>
+            <a:endParaRPr lang="zh-CN" altLang="en-US" sz="1000" dirty="0"/>
+          </a:p>
+        </p:txBody>
+      </p:sp>
+      <p:sp>
+        <p:nvSpPr>
+          <p:cNvPr id="34" name="矩形 33"/>
+          <p:cNvSpPr/>
+          <p:nvPr/>
+        </p:nvSpPr>
+        <p:spPr>
+          <a:xfrm>
+            <a:off x="3231774" y="5581418"/>
+            <a:ext cx="1194322" cy="207544"/>
+          </a:xfrm>
+          <a:prstGeom prst="rect">
+            <a:avLst/>
+          </a:prstGeom>
+        </p:spPr>
+        <p:style>
+          <a:lnRef idx="2">
+            <a:schemeClr val="dk1"/>
+          </a:lnRef>
+          <a:fillRef idx="1">
+            <a:schemeClr val="lt1"/>
+          </a:fillRef>
+          <a:effectRef idx="0">
+            <a:schemeClr val="dk1"/>
+          </a:effectRef>
+          <a:fontRef idx="minor">
+            <a:schemeClr val="dk1"/>
+          </a:fontRef>
+        </p:style>
+        <p:txBody>
+          <a:bodyPr rtlCol="0" anchor="ctr"/>
+          <a:lstStyle/>
+          <a:p>
+            <a:pPr algn="ctr"/>
+            <a:r>
+              <a:rPr lang="en-US" altLang="zh-CN" sz="1000" dirty="0" smtClean="0"/>
+              <a:t>0000006144.meta</a:t>
+            </a:r>
+            <a:endParaRPr lang="zh-CN" altLang="en-US" sz="1000" dirty="0"/>
+          </a:p>
+        </p:txBody>
+      </p:sp>
+      <p:sp>
+        <p:nvSpPr>
+          <p:cNvPr id="35" name="矩形 34"/>
+          <p:cNvSpPr/>
+          <p:nvPr/>
+        </p:nvSpPr>
+        <p:spPr>
+          <a:xfrm>
+            <a:off x="3231774" y="5788963"/>
+            <a:ext cx="1194322" cy="175696"/>
+          </a:xfrm>
+          <a:prstGeom prst="rect">
+            <a:avLst/>
+          </a:prstGeom>
+        </p:spPr>
+        <p:style>
+          <a:lnRef idx="2">
+            <a:schemeClr val="dk1"/>
+          </a:lnRef>
+          <a:fillRef idx="1">
+            <a:schemeClr val="lt1"/>
+          </a:fillRef>
+          <a:effectRef idx="0">
+            <a:schemeClr val="dk1"/>
+          </a:effectRef>
+          <a:fontRef idx="minor">
+            <a:schemeClr val="dk1"/>
+          </a:fontRef>
+        </p:style>
+        <p:txBody>
+          <a:bodyPr rtlCol="0" anchor="ctr"/>
+          <a:lstStyle/>
+          <a:p>
+            <a:pPr algn="ctr"/>
+            <a:r>
+              <a:rPr lang="en-US" altLang="zh-CN" sz="1000" smtClean="0"/>
+              <a:t>000000…..meta</a:t>
+            </a:r>
+            <a:endParaRPr lang="zh-CN" altLang="en-US" sz="1000" dirty="0"/>
+          </a:p>
+        </p:txBody>
+      </p:sp>
+      <p:cxnSp>
+        <p:nvCxnSpPr>
+          <p:cNvPr id="36" name="直接箭头连接符 35"/>
+          <p:cNvCxnSpPr>
+            <a:stCxn id="17" idx="4"/>
+            <a:endCxn id="26" idx="1"/>
+          </p:cNvCxnSpPr>
+          <p:nvPr/>
+        </p:nvCxnSpPr>
+        <p:spPr>
+          <a:xfrm>
+            <a:off x="1991061" y="2237130"/>
+            <a:ext cx="2887528" cy="2336659"/>
+          </a:xfrm>
+          <a:prstGeom prst="straightConnector1">
+            <a:avLst/>
+          </a:prstGeom>
+          <a:ln>
+            <a:tailEnd type="triangle"/>
+          </a:ln>
+        </p:spPr>
+        <p:style>
+          <a:lnRef idx="1">
+            <a:schemeClr val="accent6"/>
+          </a:lnRef>
+          <a:fillRef idx="0">
+            <a:schemeClr val="accent6"/>
+          </a:fillRef>
+          <a:effectRef idx="0">
+            <a:schemeClr val="accent6"/>
+          </a:effectRef>
+          <a:fontRef idx="minor">
+            <a:schemeClr val="tx1"/>
+          </a:fontRef>
+        </p:style>
+      </p:cxnSp>
+      <p:cxnSp>
+        <p:nvCxnSpPr>
+          <p:cNvPr id="41" name="直接箭头连接符 40"/>
+          <p:cNvCxnSpPr>
+            <a:stCxn id="17" idx="4"/>
+            <a:endCxn id="27" idx="1"/>
+          </p:cNvCxnSpPr>
+          <p:nvPr/>
+        </p:nvCxnSpPr>
+        <p:spPr>
+          <a:xfrm>
+            <a:off x="1991061" y="2237130"/>
+            <a:ext cx="2887528" cy="2958811"/>
+          </a:xfrm>
+          <a:prstGeom prst="straightConnector1">
+            <a:avLst/>
+          </a:prstGeom>
+          <a:ln>
+            <a:tailEnd type="triangle"/>
+          </a:ln>
+        </p:spPr>
+        <p:style>
+          <a:lnRef idx="1">
+            <a:schemeClr val="accent6"/>
+          </a:lnRef>
+          <a:fillRef idx="0">
+            <a:schemeClr val="accent6"/>
+          </a:fillRef>
+          <a:effectRef idx="0">
+            <a:schemeClr val="accent6"/>
+          </a:effectRef>
+          <a:fontRef idx="minor">
+            <a:schemeClr val="tx1"/>
+          </a:fontRef>
+        </p:style>
+      </p:cxnSp>
+      <p:sp>
+        <p:nvSpPr>
+          <p:cNvPr id="45" name="矩形 44"/>
+          <p:cNvSpPr/>
+          <p:nvPr/>
+        </p:nvSpPr>
+        <p:spPr>
+          <a:xfrm>
+            <a:off x="78891" y="1626425"/>
+            <a:ext cx="1043492" cy="559398"/>
+          </a:xfrm>
+          <a:prstGeom prst="rect">
+            <a:avLst/>
+          </a:prstGeom>
+        </p:spPr>
+        <p:style>
+          <a:lnRef idx="1">
+            <a:schemeClr val="accent6"/>
+          </a:lnRef>
+          <a:fillRef idx="2">
+            <a:schemeClr val="accent6"/>
+          </a:fillRef>
+          <a:effectRef idx="1">
+            <a:schemeClr val="accent6"/>
+          </a:effectRef>
+          <a:fontRef idx="minor">
+            <a:schemeClr val="dk1"/>
+          </a:fontRef>
+        </p:style>
+        <p:txBody>
+          <a:bodyPr rtlCol="0" anchor="ctr"/>
+          <a:lstStyle/>
+          <a:p>
+            <a:pPr algn="ctr"/>
+            <a:r>
+              <a:rPr lang="en-US" altLang="zh-CN" sz="1400" dirty="0" smtClean="0"/>
+              <a:t>Producer1</a:t>
+            </a:r>
+            <a:endParaRPr lang="zh-CN" altLang="en-US" sz="1400" dirty="0"/>
+          </a:p>
+        </p:txBody>
+      </p:sp>
+      <p:sp>
+        <p:nvSpPr>
+          <p:cNvPr id="46" name="矩形 45"/>
+          <p:cNvSpPr/>
+          <p:nvPr/>
+        </p:nvSpPr>
+        <p:spPr>
+          <a:xfrm>
+            <a:off x="64098" y="4950763"/>
+            <a:ext cx="1043492" cy="559398"/>
+          </a:xfrm>
+          <a:prstGeom prst="rect">
+            <a:avLst/>
+          </a:prstGeom>
+        </p:spPr>
+        <p:style>
+          <a:lnRef idx="1">
+            <a:schemeClr val="accent3"/>
+          </a:lnRef>
+          <a:fillRef idx="2">
+            <a:schemeClr val="accent3"/>
+          </a:fillRef>
+          <a:effectRef idx="1">
+            <a:schemeClr val="accent3"/>
+          </a:effectRef>
+          <a:fontRef idx="minor">
+            <a:schemeClr val="dk1"/>
+          </a:fontRef>
+        </p:style>
+        <p:txBody>
+          <a:bodyPr rtlCol="0" anchor="ctr"/>
+          <a:lstStyle/>
+          <a:p>
+            <a:pPr algn="ctr"/>
+            <a:r>
+              <a:rPr lang="en-US" altLang="zh-CN" sz="1400" dirty="0" smtClean="0"/>
+              <a:t>Producer2</a:t>
+            </a:r>
+            <a:endParaRPr lang="zh-CN" altLang="en-US" sz="1400" dirty="0"/>
+          </a:p>
+        </p:txBody>
+      </p:sp>
+      <p:cxnSp>
+        <p:nvCxnSpPr>
+          <p:cNvPr id="47" name="直接箭头连接符 46"/>
+          <p:cNvCxnSpPr>
+            <a:stCxn id="18" idx="0"/>
+            <a:endCxn id="9" idx="1"/>
+          </p:cNvCxnSpPr>
+          <p:nvPr/>
+        </p:nvCxnSpPr>
+        <p:spPr>
+          <a:xfrm flipV="1">
+            <a:off x="1991061" y="2607831"/>
+            <a:ext cx="2810438" cy="2199941"/>
+          </a:xfrm>
+          <a:prstGeom prst="straightConnector1">
+            <a:avLst/>
+          </a:prstGeom>
+          <a:ln>
+            <a:tailEnd type="triangle"/>
+          </a:ln>
+        </p:spPr>
+        <p:style>
+          <a:lnRef idx="1">
+            <a:schemeClr val="accent3"/>
+          </a:lnRef>
+          <a:fillRef idx="0">
+            <a:schemeClr val="accent3"/>
+          </a:fillRef>
+          <a:effectRef idx="0">
+            <a:schemeClr val="accent3"/>
+          </a:effectRef>
+          <a:fontRef idx="minor">
+            <a:schemeClr val="tx1"/>
+          </a:fontRef>
+        </p:style>
+      </p:cxnSp>
+      <p:cxnSp>
+        <p:nvCxnSpPr>
+          <p:cNvPr id="50" name="直接箭头连接符 49"/>
+          <p:cNvCxnSpPr>
+            <a:stCxn id="18" idx="4"/>
+            <a:endCxn id="28" idx="1"/>
+          </p:cNvCxnSpPr>
+          <p:nvPr/>
+        </p:nvCxnSpPr>
+        <p:spPr>
+          <a:xfrm>
+            <a:off x="1991061" y="5520006"/>
+            <a:ext cx="2887528" cy="316908"/>
+          </a:xfrm>
+          <a:prstGeom prst="straightConnector1">
+            <a:avLst/>
+          </a:prstGeom>
+          <a:ln>
+            <a:tailEnd type="triangle"/>
+          </a:ln>
+        </p:spPr>
+        <p:style>
+          <a:lnRef idx="1">
+            <a:schemeClr val="accent3"/>
+          </a:lnRef>
+          <a:fillRef idx="0">
+            <a:schemeClr val="accent3"/>
+          </a:fillRef>
+          <a:effectRef idx="0">
+            <a:schemeClr val="accent3"/>
+          </a:effectRef>
+          <a:fontRef idx="minor">
+            <a:schemeClr val="tx1"/>
+          </a:fontRef>
+        </p:style>
+      </p:cxnSp>
+      <p:sp>
+        <p:nvSpPr>
+          <p:cNvPr id="54" name="矩形 53"/>
+          <p:cNvSpPr/>
+          <p:nvPr/>
+        </p:nvSpPr>
+        <p:spPr>
+          <a:xfrm>
+            <a:off x="3231774" y="4104038"/>
+            <a:ext cx="1174204" cy="220537"/>
+          </a:xfrm>
+          <a:prstGeom prst="rect">
+            <a:avLst/>
+          </a:prstGeom>
+        </p:spPr>
+        <p:style>
+          <a:lnRef idx="2">
+            <a:schemeClr val="dk1"/>
+          </a:lnRef>
+          <a:fillRef idx="1">
+            <a:schemeClr val="lt1"/>
+          </a:fillRef>
+          <a:effectRef idx="0">
+            <a:schemeClr val="dk1"/>
+          </a:effectRef>
+          <a:fontRef idx="minor">
+            <a:schemeClr val="dk1"/>
+          </a:fontRef>
+        </p:style>
+        <p:txBody>
+          <a:bodyPr rtlCol="0" anchor="ctr"/>
+          <a:lstStyle/>
+          <a:p>
+            <a:pPr algn="ctr"/>
+            <a:r>
+              <a:rPr lang="en-US" altLang="zh-CN" sz="1000" dirty="0" err="1" smtClean="0"/>
+              <a:t>commitloging</a:t>
+            </a:r>
+            <a:endParaRPr lang="zh-CN" altLang="en-US" sz="1000" dirty="0"/>
+          </a:p>
+        </p:txBody>
+      </p:sp>
+      <p:sp>
+        <p:nvSpPr>
+          <p:cNvPr id="55" name="矩形 54"/>
+          <p:cNvSpPr/>
+          <p:nvPr/>
+        </p:nvSpPr>
+        <p:spPr>
+          <a:xfrm>
+            <a:off x="7238997" y="1456317"/>
+            <a:ext cx="914400" cy="392423"/>
+          </a:xfrm>
+          <a:prstGeom prst="rect">
+            <a:avLst/>
+          </a:prstGeom>
+        </p:spPr>
+        <p:style>
+          <a:lnRef idx="1">
+            <a:schemeClr val="accent6"/>
+          </a:lnRef>
+          <a:fillRef idx="2">
+            <a:schemeClr val="accent6"/>
+          </a:fillRef>
+          <a:effectRef idx="1">
+            <a:schemeClr val="accent6"/>
+          </a:effectRef>
+          <a:fontRef idx="minor">
+            <a:schemeClr val="dk1"/>
+          </a:fontRef>
+        </p:style>
+        <p:txBody>
+          <a:bodyPr rtlCol="0" anchor="ctr"/>
+          <a:lstStyle/>
+          <a:p>
+            <a:pPr algn="ctr"/>
+            <a:r>
+              <a:rPr lang="en-US" altLang="zh-CN" dirty="0" smtClean="0"/>
+              <a:t>index</a:t>
+            </a:r>
+            <a:endParaRPr lang="zh-CN" altLang="en-US" dirty="0"/>
+          </a:p>
+        </p:txBody>
+      </p:sp>
+      <p:cxnSp>
+        <p:nvCxnSpPr>
+          <p:cNvPr id="60" name="直接箭头连接符 59"/>
+          <p:cNvCxnSpPr>
+            <a:stCxn id="55" idx="3"/>
+            <a:endCxn id="66" idx="1"/>
+          </p:cNvCxnSpPr>
+          <p:nvPr/>
+        </p:nvCxnSpPr>
+        <p:spPr>
+          <a:xfrm flipV="1">
+            <a:off x="8153397" y="1594221"/>
+            <a:ext cx="669666" cy="58308"/>
+          </a:xfrm>
+          <a:prstGeom prst="straightConnector1">
+            <a:avLst/>
+          </a:prstGeom>
+          <a:ln>
+            <a:tailEnd type="triangle"/>
+          </a:ln>
+        </p:spPr>
+        <p:style>
+          <a:lnRef idx="1">
+            <a:schemeClr val="accent6"/>
+          </a:lnRef>
+          <a:fillRef idx="0">
+            <a:schemeClr val="accent6"/>
+          </a:fillRef>
+          <a:effectRef idx="0">
+            <a:schemeClr val="accent6"/>
+          </a:effectRef>
+          <a:fontRef idx="minor">
+            <a:schemeClr val="tx1"/>
+          </a:fontRef>
+        </p:style>
+      </p:cxnSp>
+      <p:graphicFrame>
+        <p:nvGraphicFramePr>
+          <p:cNvPr id="66" name="表格 65"/>
+          <p:cNvGraphicFramePr>
+            <a:graphicFrameLocks noGrp="1"/>
+          </p:cNvGraphicFramePr>
+          <p:nvPr>
+            <p:extLst/>
+          </p:nvPr>
+        </p:nvGraphicFramePr>
+        <p:xfrm>
+          <a:off x="8823063" y="949061"/>
+          <a:ext cx="1730190" cy="1290320"/>
+        </p:xfrm>
+        <a:graphic>
+          <a:graphicData uri="http://schemas.openxmlformats.org/drawingml/2006/table">
+            <a:tbl>
+              <a:tblPr firstRow="1" bandRow="1">
+                <a:tableStyleId>{16D9F66E-5EB9-4882-86FB-DCBF35E3C3E4}</a:tableStyleId>
+              </a:tblPr>
+              <a:tblGrid>
+                <a:gridCol w="576730">
+                  <a:extLst>
+                    <a:ext uri="{9D8B030D-6E8A-4147-A177-3AD203B41FA5}">
+                      <a16:colId xmlns:a16="http://schemas.microsoft.com/office/drawing/2014/main" val="20000"/>
+                    </a:ext>
+                  </a:extLst>
+                </a:gridCol>
+                <a:gridCol w="576730">
+                  <a:extLst>
+                    <a:ext uri="{9D8B030D-6E8A-4147-A177-3AD203B41FA5}">
+                      <a16:colId xmlns:a16="http://schemas.microsoft.com/office/drawing/2014/main" val="20001"/>
+                    </a:ext>
+                  </a:extLst>
+                </a:gridCol>
+                <a:gridCol w="576730">
+                  <a:extLst>
+                    <a:ext uri="{9D8B030D-6E8A-4147-A177-3AD203B41FA5}">
+                      <a16:colId xmlns:a16="http://schemas.microsoft.com/office/drawing/2014/main" val="20002"/>
+                    </a:ext>
+                  </a:extLst>
+                </a:gridCol>
+              </a:tblGrid>
+              <a:tr h="370840">
+                <a:tc>
+                  <a:txBody>
+                    <a:bodyPr/>
+                    <a:lstStyle/>
+                    <a:p>
+                      <a:r>
+                        <a:rPr lang="en-US" altLang="zh-CN" sz="1200" dirty="0" smtClean="0"/>
+                        <a:t>Offset</a:t>
+                      </a:r>
+                    </a:p>
+                    <a:p>
+                      <a:r>
+                        <a:rPr lang="en-US" altLang="zh-CN" sz="1200" dirty="0" smtClean="0"/>
+                        <a:t>8byte</a:t>
+                      </a:r>
+                      <a:endParaRPr lang="zh-CN" altLang="en-US" sz="1200" dirty="0"/>
+                    </a:p>
+                  </a:txBody>
+                  <a:tcPr/>
+                </a:tc>
+                <a:tc>
+                  <a:txBody>
+                    <a:bodyPr/>
+                    <a:lstStyle/>
+                    <a:p>
+                      <a:r>
+                        <a:rPr lang="en-US" altLang="zh-CN" sz="1200" dirty="0" smtClean="0"/>
+                        <a:t>Size</a:t>
+                      </a:r>
+                    </a:p>
+                    <a:p>
+                      <a:r>
+                        <a:rPr lang="en-US" altLang="zh-CN" sz="1200" dirty="0" smtClean="0"/>
+                        <a:t>4byte</a:t>
+                      </a:r>
+                      <a:endParaRPr lang="zh-CN" altLang="en-US" sz="1200" dirty="0"/>
+                    </a:p>
+                  </a:txBody>
+                  <a:tcPr/>
+                </a:tc>
+                <a:tc>
+                  <a:txBody>
+                    <a:bodyPr/>
+                    <a:lstStyle/>
+                    <a:p>
+                      <a:r>
+                        <a:rPr lang="en-US" altLang="zh-CN" sz="1000" dirty="0" smtClean="0"/>
+                        <a:t>Tag(</a:t>
+                      </a:r>
+                      <a:r>
+                        <a:rPr lang="en-US" altLang="zh-CN" sz="1000" dirty="0" err="1" smtClean="0"/>
+                        <a:t>hashcode</a:t>
+                      </a:r>
+                      <a:r>
+                        <a:rPr lang="en-US" altLang="zh-CN" sz="1000" dirty="0" smtClean="0"/>
+                        <a:t>)</a:t>
+                      </a:r>
+                    </a:p>
+                    <a:p>
+                      <a:r>
+                        <a:rPr lang="en-US" altLang="zh-CN" sz="1000" dirty="0" smtClean="0"/>
+                        <a:t>8byte</a:t>
+                      </a:r>
+                      <a:endParaRPr lang="zh-CN" altLang="en-US" sz="1000" dirty="0"/>
+                    </a:p>
+                  </a:txBody>
+                  <a:tcPr/>
+                </a:tc>
+                <a:extLst>
+                  <a:ext uri="{0D108BD9-81ED-4DB2-BD59-A6C34878D82A}">
+                    <a16:rowId xmlns:a16="http://schemas.microsoft.com/office/drawing/2014/main" val="10000"/>
+                  </a:ext>
+                </a:extLst>
+              </a:tr>
+              <a:tr h="370840">
+                <a:tc>
+                  <a:txBody>
+                    <a:bodyPr/>
+                    <a:lstStyle/>
+                    <a:p>
+                      <a:r>
+                        <a:rPr lang="en-US" altLang="zh-CN" sz="1000" dirty="0" smtClean="0"/>
+                        <a:t>1300</a:t>
+                      </a:r>
+                      <a:endParaRPr lang="zh-CN" altLang="en-US" sz="1000" dirty="0"/>
+                    </a:p>
+                  </a:txBody>
+                  <a:tcPr/>
+                </a:tc>
+                <a:tc>
+                  <a:txBody>
+                    <a:bodyPr/>
+                    <a:lstStyle/>
+                    <a:p>
+                      <a:r>
+                        <a:rPr lang="en-US" altLang="zh-CN" sz="1000" dirty="0" smtClean="0"/>
+                        <a:t>100</a:t>
+                      </a:r>
+                      <a:endParaRPr lang="zh-CN" altLang="en-US" sz="1000" dirty="0"/>
+                    </a:p>
+                  </a:txBody>
+                  <a:tcPr/>
+                </a:tc>
+                <a:tc>
+                  <a:txBody>
+                    <a:bodyPr/>
+                    <a:lstStyle/>
+                    <a:p>
+                      <a:r>
+                        <a:rPr lang="en-US" altLang="zh-CN" sz="1000" dirty="0" smtClean="0"/>
+                        <a:t>xxx</a:t>
+                      </a:r>
+                      <a:endParaRPr lang="zh-CN" altLang="en-US" sz="1000" dirty="0"/>
+                    </a:p>
+                  </a:txBody>
+                  <a:tcPr/>
+                </a:tc>
+                <a:extLst>
+                  <a:ext uri="{0D108BD9-81ED-4DB2-BD59-A6C34878D82A}">
+                    <a16:rowId xmlns:a16="http://schemas.microsoft.com/office/drawing/2014/main" val="10001"/>
+                  </a:ext>
+                </a:extLst>
+              </a:tr>
+              <a:tr h="370840">
+                <a:tc>
+                  <a:txBody>
+                    <a:bodyPr/>
+                    <a:lstStyle/>
+                    <a:p>
+                      <a:endParaRPr lang="zh-CN" altLang="en-US" sz="1000" dirty="0"/>
+                    </a:p>
+                  </a:txBody>
+                  <a:tcPr/>
+                </a:tc>
+                <a:tc>
+                  <a:txBody>
+                    <a:bodyPr/>
+                    <a:lstStyle/>
+                    <a:p>
+                      <a:endParaRPr lang="zh-CN" altLang="en-US" sz="1000" dirty="0"/>
+                    </a:p>
+                  </a:txBody>
+                  <a:tcPr/>
+                </a:tc>
+                <a:tc>
+                  <a:txBody>
+                    <a:bodyPr/>
+                    <a:lstStyle/>
+                    <a:p>
+                      <a:endParaRPr lang="zh-CN" altLang="en-US" sz="1000" dirty="0"/>
+                    </a:p>
+                  </a:txBody>
+                  <a:tcPr/>
+                </a:tc>
+                <a:extLst>
+                  <a:ext uri="{0D108BD9-81ED-4DB2-BD59-A6C34878D82A}">
+                    <a16:rowId xmlns:a16="http://schemas.microsoft.com/office/drawing/2014/main" val="10002"/>
+                  </a:ext>
+                </a:extLst>
+              </a:tr>
+            </a:tbl>
+          </a:graphicData>
+        </a:graphic>
+      </p:graphicFrame>
+      <p:sp>
+        <p:nvSpPr>
+          <p:cNvPr id="68" name="矩形 67"/>
+          <p:cNvSpPr/>
+          <p:nvPr/>
+        </p:nvSpPr>
+        <p:spPr>
+          <a:xfrm>
+            <a:off x="7238997" y="2552208"/>
+            <a:ext cx="914400" cy="392423"/>
+          </a:xfrm>
+          <a:prstGeom prst="rect">
+            <a:avLst/>
+          </a:prstGeom>
+        </p:spPr>
+        <p:style>
+          <a:lnRef idx="1">
+            <a:schemeClr val="accent6"/>
+          </a:lnRef>
+          <a:fillRef idx="2">
+            <a:schemeClr val="accent6"/>
+          </a:fillRef>
+          <a:effectRef idx="1">
+            <a:schemeClr val="accent6"/>
+          </a:effectRef>
+          <a:fontRef idx="minor">
+            <a:schemeClr val="dk1"/>
+          </a:fontRef>
+        </p:style>
+        <p:txBody>
+          <a:bodyPr rtlCol="0" anchor="ctr"/>
+          <a:lstStyle/>
+          <a:p>
+            <a:pPr algn="ctr"/>
+            <a:r>
+              <a:rPr lang="en-US" altLang="zh-CN" dirty="0" smtClean="0"/>
+              <a:t>index</a:t>
+            </a:r>
+            <a:endParaRPr lang="zh-CN" altLang="en-US" dirty="0"/>
+          </a:p>
+        </p:txBody>
+      </p:sp>
+      <p:cxnSp>
+        <p:nvCxnSpPr>
+          <p:cNvPr id="70" name="直接箭头连接符 69"/>
+          <p:cNvCxnSpPr>
+            <a:stCxn id="68" idx="3"/>
+            <a:endCxn id="100" idx="1"/>
+          </p:cNvCxnSpPr>
+          <p:nvPr/>
+        </p:nvCxnSpPr>
+        <p:spPr>
+          <a:xfrm>
+            <a:off x="8153397" y="2748420"/>
+            <a:ext cx="669665" cy="379545"/>
+          </a:xfrm>
+          <a:prstGeom prst="straightConnector1">
+            <a:avLst/>
+          </a:prstGeom>
+          <a:ln>
+            <a:tailEnd type="triangle"/>
+          </a:ln>
+        </p:spPr>
+        <p:style>
+          <a:lnRef idx="1">
+            <a:schemeClr val="accent6"/>
+          </a:lnRef>
+          <a:fillRef idx="0">
+            <a:schemeClr val="accent6"/>
+          </a:fillRef>
+          <a:effectRef idx="0">
+            <a:schemeClr val="accent6"/>
+          </a:effectRef>
+          <a:fontRef idx="minor">
+            <a:schemeClr val="tx1"/>
+          </a:fontRef>
+        </p:style>
+      </p:cxnSp>
+      <p:cxnSp>
+        <p:nvCxnSpPr>
+          <p:cNvPr id="73" name="直接箭头连接符 72"/>
+          <p:cNvCxnSpPr>
+            <a:stCxn id="8" idx="3"/>
+            <a:endCxn id="55" idx="1"/>
+          </p:cNvCxnSpPr>
+          <p:nvPr/>
+        </p:nvCxnSpPr>
+        <p:spPr>
+          <a:xfrm flipV="1">
+            <a:off x="6691260" y="1652529"/>
+            <a:ext cx="547737" cy="314329"/>
+          </a:xfrm>
+          <a:prstGeom prst="straightConnector1">
+            <a:avLst/>
+          </a:prstGeom>
+          <a:ln>
+            <a:tailEnd type="triangle"/>
+          </a:ln>
+        </p:spPr>
+        <p:style>
+          <a:lnRef idx="1">
+            <a:schemeClr val="accent6"/>
+          </a:lnRef>
+          <a:fillRef idx="0">
+            <a:schemeClr val="accent6"/>
+          </a:fillRef>
+          <a:effectRef idx="0">
+            <a:schemeClr val="accent6"/>
+          </a:effectRef>
+          <a:fontRef idx="minor">
+            <a:schemeClr val="tx1"/>
+          </a:fontRef>
+        </p:style>
+      </p:cxnSp>
+      <p:cxnSp>
+        <p:nvCxnSpPr>
+          <p:cNvPr id="76" name="直接箭头连接符 75"/>
+          <p:cNvCxnSpPr>
+            <a:stCxn id="8" idx="3"/>
+            <a:endCxn id="68" idx="1"/>
+          </p:cNvCxnSpPr>
+          <p:nvPr/>
+        </p:nvCxnSpPr>
+        <p:spPr>
+          <a:xfrm>
+            <a:off x="6691260" y="1966858"/>
+            <a:ext cx="547737" cy="781562"/>
+          </a:xfrm>
+          <a:prstGeom prst="straightConnector1">
+            <a:avLst/>
+          </a:prstGeom>
+          <a:ln>
+            <a:tailEnd type="triangle"/>
+          </a:ln>
+        </p:spPr>
+        <p:style>
+          <a:lnRef idx="1">
+            <a:schemeClr val="accent6"/>
+          </a:lnRef>
+          <a:fillRef idx="0">
+            <a:schemeClr val="accent6"/>
+          </a:fillRef>
+          <a:effectRef idx="0">
+            <a:schemeClr val="accent6"/>
+          </a:effectRef>
+          <a:fontRef idx="minor">
+            <a:schemeClr val="tx1"/>
+          </a:fontRef>
+        </p:style>
+      </p:cxnSp>
+      <p:sp>
+        <p:nvSpPr>
+          <p:cNvPr id="85" name="矩形 84"/>
+          <p:cNvSpPr/>
+          <p:nvPr/>
+        </p:nvSpPr>
+        <p:spPr>
+          <a:xfrm>
+            <a:off x="10932584" y="4372974"/>
+            <a:ext cx="1117451" cy="559398"/>
+          </a:xfrm>
+          <a:prstGeom prst="rect">
+            <a:avLst/>
+          </a:prstGeom>
+        </p:spPr>
+        <p:style>
+          <a:lnRef idx="1">
+            <a:schemeClr val="accent3"/>
+          </a:lnRef>
+          <a:fillRef idx="2">
+            <a:schemeClr val="accent3"/>
+          </a:fillRef>
+          <a:effectRef idx="1">
+            <a:schemeClr val="accent3"/>
+          </a:effectRef>
+          <a:fontRef idx="minor">
+            <a:schemeClr val="dk1"/>
+          </a:fontRef>
+        </p:style>
+        <p:txBody>
+          <a:bodyPr rtlCol="0" anchor="ctr"/>
+          <a:lstStyle/>
+          <a:p>
+            <a:pPr algn="ctr"/>
+            <a:r>
+              <a:rPr lang="en-US" altLang="zh-CN" sz="1400" dirty="0" smtClean="0"/>
+              <a:t>Comsumer3</a:t>
+            </a:r>
+            <a:endParaRPr lang="zh-CN" altLang="en-US" sz="1400" dirty="0"/>
+          </a:p>
+        </p:txBody>
+      </p:sp>
+      <p:sp>
+        <p:nvSpPr>
+          <p:cNvPr id="86" name="矩形 85"/>
+          <p:cNvSpPr/>
+          <p:nvPr/>
+        </p:nvSpPr>
+        <p:spPr>
+          <a:xfrm>
+            <a:off x="10969564" y="830131"/>
+            <a:ext cx="1080471" cy="559398"/>
+          </a:xfrm>
+          <a:prstGeom prst="rect">
+            <a:avLst/>
+          </a:prstGeom>
+        </p:spPr>
+        <p:style>
+          <a:lnRef idx="1">
+            <a:schemeClr val="accent6"/>
+          </a:lnRef>
+          <a:fillRef idx="2">
+            <a:schemeClr val="accent6"/>
+          </a:fillRef>
+          <a:effectRef idx="1">
+            <a:schemeClr val="accent6"/>
+          </a:effectRef>
+          <a:fontRef idx="minor">
+            <a:schemeClr val="dk1"/>
+          </a:fontRef>
+        </p:style>
+        <p:txBody>
+          <a:bodyPr rtlCol="0" anchor="ctr"/>
+          <a:lstStyle/>
+          <a:p>
+            <a:pPr algn="ctr"/>
+            <a:r>
+              <a:rPr lang="en-US" altLang="zh-CN" sz="1400" dirty="0" smtClean="0"/>
+              <a:t>Comsumer1</a:t>
+            </a:r>
+            <a:endParaRPr lang="zh-CN" altLang="en-US" sz="1400" dirty="0"/>
+          </a:p>
+        </p:txBody>
+      </p:sp>
+      <p:sp>
+        <p:nvSpPr>
+          <p:cNvPr id="87" name="矩形 86"/>
+          <p:cNvSpPr/>
+          <p:nvPr/>
+        </p:nvSpPr>
+        <p:spPr>
+          <a:xfrm>
+            <a:off x="7238997" y="3648099"/>
+            <a:ext cx="914400" cy="392423"/>
+          </a:xfrm>
+          <a:prstGeom prst="rect">
+            <a:avLst/>
+          </a:prstGeom>
+        </p:spPr>
+        <p:style>
+          <a:lnRef idx="1">
+            <a:schemeClr val="accent3"/>
+          </a:lnRef>
+          <a:fillRef idx="2">
+            <a:schemeClr val="accent3"/>
+          </a:fillRef>
+          <a:effectRef idx="1">
+            <a:schemeClr val="accent3"/>
+          </a:effectRef>
+          <a:fontRef idx="minor">
+            <a:schemeClr val="dk1"/>
+          </a:fontRef>
+        </p:style>
+        <p:txBody>
+          <a:bodyPr rtlCol="0" anchor="ctr"/>
+          <a:lstStyle/>
+          <a:p>
+            <a:pPr algn="ctr"/>
+            <a:r>
+              <a:rPr lang="en-US" altLang="zh-CN" dirty="0" smtClean="0"/>
+              <a:t>index</a:t>
+            </a:r>
+            <a:endParaRPr lang="zh-CN" altLang="en-US" dirty="0"/>
+          </a:p>
+        </p:txBody>
+      </p:sp>
+      <p:cxnSp>
+        <p:nvCxnSpPr>
+          <p:cNvPr id="89" name="直接箭头连接符 88"/>
+          <p:cNvCxnSpPr>
+            <a:stCxn id="87" idx="3"/>
+            <a:endCxn id="99" idx="1"/>
+          </p:cNvCxnSpPr>
+          <p:nvPr/>
+        </p:nvCxnSpPr>
+        <p:spPr>
+          <a:xfrm>
+            <a:off x="8153397" y="3844311"/>
+            <a:ext cx="669665" cy="853600"/>
+          </a:xfrm>
+          <a:prstGeom prst="straightConnector1">
+            <a:avLst/>
+          </a:prstGeom>
+          <a:ln>
+            <a:tailEnd type="triangle"/>
+          </a:ln>
+        </p:spPr>
+        <p:style>
+          <a:lnRef idx="1">
+            <a:schemeClr val="accent3"/>
+          </a:lnRef>
+          <a:fillRef idx="0">
+            <a:schemeClr val="accent3"/>
+          </a:fillRef>
+          <a:effectRef idx="0">
+            <a:schemeClr val="accent3"/>
+          </a:effectRef>
+          <a:fontRef idx="minor">
+            <a:schemeClr val="tx1"/>
+          </a:fontRef>
+        </p:style>
+      </p:cxnSp>
+      <p:cxnSp>
+        <p:nvCxnSpPr>
+          <p:cNvPr id="90" name="直接箭头连接符 89"/>
+          <p:cNvCxnSpPr>
+            <a:stCxn id="9" idx="3"/>
+            <a:endCxn id="87" idx="0"/>
+          </p:cNvCxnSpPr>
+          <p:nvPr/>
+        </p:nvCxnSpPr>
+        <p:spPr>
+          <a:xfrm>
+            <a:off x="6691260" y="2607831"/>
+            <a:ext cx="1004937" cy="1040268"/>
+          </a:xfrm>
+          <a:prstGeom prst="straightConnector1">
+            <a:avLst/>
+          </a:prstGeom>
+          <a:ln>
+            <a:tailEnd type="triangle"/>
+          </a:ln>
+        </p:spPr>
+        <p:style>
+          <a:lnRef idx="1">
+            <a:schemeClr val="accent3"/>
+          </a:lnRef>
+          <a:fillRef idx="0">
+            <a:schemeClr val="accent3"/>
+          </a:fillRef>
+          <a:effectRef idx="0">
+            <a:schemeClr val="accent3"/>
+          </a:effectRef>
+          <a:fontRef idx="minor">
+            <a:schemeClr val="tx1"/>
+          </a:fontRef>
+        </p:style>
+      </p:cxnSp>
+      <p:graphicFrame>
+        <p:nvGraphicFramePr>
+          <p:cNvPr id="99" name="表格 98"/>
+          <p:cNvGraphicFramePr>
+            <a:graphicFrameLocks noGrp="1"/>
+          </p:cNvGraphicFramePr>
+          <p:nvPr>
+            <p:extLst/>
+          </p:nvPr>
+        </p:nvGraphicFramePr>
+        <p:xfrm>
+          <a:off x="8823062" y="4052751"/>
+          <a:ext cx="1730190" cy="1290320"/>
+        </p:xfrm>
+        <a:graphic>
+          <a:graphicData uri="http://schemas.openxmlformats.org/drawingml/2006/table">
+            <a:tbl>
+              <a:tblPr firstRow="1" bandRow="1">
+                <a:tableStyleId>{F5AB1C69-6EDB-4FF4-983F-18BD219EF322}</a:tableStyleId>
+              </a:tblPr>
+              <a:tblGrid>
+                <a:gridCol w="576730">
+                  <a:extLst>
+                    <a:ext uri="{9D8B030D-6E8A-4147-A177-3AD203B41FA5}">
+                      <a16:colId xmlns:a16="http://schemas.microsoft.com/office/drawing/2014/main" val="20000"/>
+                    </a:ext>
+                  </a:extLst>
+                </a:gridCol>
+                <a:gridCol w="576730">
+                  <a:extLst>
+                    <a:ext uri="{9D8B030D-6E8A-4147-A177-3AD203B41FA5}">
+                      <a16:colId xmlns:a16="http://schemas.microsoft.com/office/drawing/2014/main" val="20001"/>
+                    </a:ext>
+                  </a:extLst>
+                </a:gridCol>
+                <a:gridCol w="576730">
+                  <a:extLst>
+                    <a:ext uri="{9D8B030D-6E8A-4147-A177-3AD203B41FA5}">
+                      <a16:colId xmlns:a16="http://schemas.microsoft.com/office/drawing/2014/main" val="20002"/>
+                    </a:ext>
+                  </a:extLst>
+                </a:gridCol>
+              </a:tblGrid>
+              <a:tr h="370840">
+                <a:tc>
+                  <a:txBody>
+                    <a:bodyPr/>
+                    <a:lstStyle/>
+                    <a:p>
+                      <a:r>
+                        <a:rPr lang="en-US" altLang="zh-CN" sz="1200" dirty="0" smtClean="0"/>
+                        <a:t>Offset</a:t>
+                      </a:r>
+                    </a:p>
+                    <a:p>
+                      <a:r>
+                        <a:rPr lang="en-US" altLang="zh-CN" sz="1200" dirty="0" smtClean="0"/>
+                        <a:t>8byte</a:t>
+                      </a:r>
+                      <a:endParaRPr lang="zh-CN" altLang="en-US" sz="1200" dirty="0"/>
+                    </a:p>
+                  </a:txBody>
+                  <a:tcPr/>
+                </a:tc>
+                <a:tc>
+                  <a:txBody>
+                    <a:bodyPr/>
+                    <a:lstStyle/>
+                    <a:p>
+                      <a:r>
+                        <a:rPr lang="en-US" altLang="zh-CN" sz="1200" dirty="0" smtClean="0"/>
+                        <a:t>Size</a:t>
+                      </a:r>
+                    </a:p>
+                    <a:p>
+                      <a:r>
+                        <a:rPr lang="en-US" altLang="zh-CN" sz="1200" dirty="0" smtClean="0"/>
+                        <a:t>4byte</a:t>
+                      </a:r>
+                      <a:endParaRPr lang="zh-CN" altLang="en-US" sz="1200" dirty="0"/>
+                    </a:p>
+                  </a:txBody>
+                  <a:tcPr/>
+                </a:tc>
+                <a:tc>
+                  <a:txBody>
+                    <a:bodyPr/>
+                    <a:lstStyle/>
+                    <a:p>
+                      <a:r>
+                        <a:rPr lang="en-US" altLang="zh-CN" sz="1000" dirty="0" smtClean="0"/>
+                        <a:t>Tag(</a:t>
+                      </a:r>
+                      <a:r>
+                        <a:rPr lang="en-US" altLang="zh-CN" sz="1000" dirty="0" err="1" smtClean="0"/>
+                        <a:t>hashcode</a:t>
+                      </a:r>
+                      <a:r>
+                        <a:rPr lang="en-US" altLang="zh-CN" sz="1000" dirty="0" smtClean="0"/>
+                        <a:t>)</a:t>
+                      </a:r>
+                    </a:p>
+                    <a:p>
+                      <a:r>
+                        <a:rPr lang="en-US" altLang="zh-CN" sz="1000" dirty="0" smtClean="0"/>
+                        <a:t>8byte</a:t>
+                      </a:r>
+                      <a:endParaRPr lang="zh-CN" altLang="en-US" sz="1000" dirty="0"/>
+                    </a:p>
+                  </a:txBody>
+                  <a:tcPr/>
+                </a:tc>
+                <a:extLst>
+                  <a:ext uri="{0D108BD9-81ED-4DB2-BD59-A6C34878D82A}">
+                    <a16:rowId xmlns:a16="http://schemas.microsoft.com/office/drawing/2014/main" val="10000"/>
+                  </a:ext>
+                </a:extLst>
+              </a:tr>
+              <a:tr h="370840">
+                <a:tc>
+                  <a:txBody>
+                    <a:bodyPr/>
+                    <a:lstStyle/>
+                    <a:p>
+                      <a:r>
+                        <a:rPr lang="en-US" altLang="zh-CN" sz="1000" dirty="0" smtClean="0"/>
+                        <a:t>98512</a:t>
+                      </a:r>
+                      <a:endParaRPr lang="zh-CN" altLang="en-US" sz="1000" dirty="0"/>
+                    </a:p>
+                  </a:txBody>
+                  <a:tcPr/>
+                </a:tc>
+                <a:tc>
+                  <a:txBody>
+                    <a:bodyPr/>
+                    <a:lstStyle/>
+                    <a:p>
+                      <a:r>
+                        <a:rPr lang="en-US" altLang="zh-CN" sz="1000" dirty="0" smtClean="0"/>
+                        <a:t>200</a:t>
+                      </a:r>
+                      <a:endParaRPr lang="zh-CN" altLang="en-US" sz="1000" dirty="0"/>
+                    </a:p>
+                  </a:txBody>
+                  <a:tcPr/>
+                </a:tc>
+                <a:tc>
+                  <a:txBody>
+                    <a:bodyPr/>
+                    <a:lstStyle/>
+                    <a:p>
+                      <a:r>
+                        <a:rPr lang="en-US" altLang="zh-CN" sz="1000" dirty="0" smtClean="0"/>
+                        <a:t>xxx</a:t>
+                      </a:r>
+                      <a:endParaRPr lang="zh-CN" altLang="en-US" sz="1000" dirty="0"/>
+                    </a:p>
+                  </a:txBody>
+                  <a:tcPr/>
+                </a:tc>
+                <a:extLst>
+                  <a:ext uri="{0D108BD9-81ED-4DB2-BD59-A6C34878D82A}">
+                    <a16:rowId xmlns:a16="http://schemas.microsoft.com/office/drawing/2014/main" val="10001"/>
+                  </a:ext>
+                </a:extLst>
+              </a:tr>
+              <a:tr h="370840">
+                <a:tc>
+                  <a:txBody>
+                    <a:bodyPr/>
+                    <a:lstStyle/>
+                    <a:p>
+                      <a:endParaRPr lang="zh-CN" altLang="en-US" sz="1000" dirty="0"/>
+                    </a:p>
+                  </a:txBody>
+                  <a:tcPr/>
+                </a:tc>
+                <a:tc>
+                  <a:txBody>
+                    <a:bodyPr/>
+                    <a:lstStyle/>
+                    <a:p>
+                      <a:endParaRPr lang="zh-CN" altLang="en-US" sz="1000" dirty="0"/>
+                    </a:p>
+                  </a:txBody>
+                  <a:tcPr/>
+                </a:tc>
+                <a:tc>
+                  <a:txBody>
+                    <a:bodyPr/>
+                    <a:lstStyle/>
+                    <a:p>
+                      <a:endParaRPr lang="zh-CN" altLang="en-US" sz="1000" dirty="0"/>
+                    </a:p>
+                  </a:txBody>
+                  <a:tcPr/>
+                </a:tc>
+                <a:extLst>
+                  <a:ext uri="{0D108BD9-81ED-4DB2-BD59-A6C34878D82A}">
+                    <a16:rowId xmlns:a16="http://schemas.microsoft.com/office/drawing/2014/main" val="10002"/>
+                  </a:ext>
+                </a:extLst>
+              </a:tr>
+            </a:tbl>
+          </a:graphicData>
+        </a:graphic>
+      </p:graphicFrame>
+      <p:graphicFrame>
+        <p:nvGraphicFramePr>
+          <p:cNvPr id="100" name="表格 99"/>
+          <p:cNvGraphicFramePr>
+            <a:graphicFrameLocks noGrp="1"/>
+          </p:cNvGraphicFramePr>
+          <p:nvPr>
+            <p:extLst/>
+          </p:nvPr>
+        </p:nvGraphicFramePr>
+        <p:xfrm>
+          <a:off x="8823062" y="2482805"/>
+          <a:ext cx="1730190" cy="1290320"/>
+        </p:xfrm>
+        <a:graphic>
+          <a:graphicData uri="http://schemas.openxmlformats.org/drawingml/2006/table">
+            <a:tbl>
+              <a:tblPr firstRow="1" bandRow="1">
+                <a:tableStyleId>{16D9F66E-5EB9-4882-86FB-DCBF35E3C3E4}</a:tableStyleId>
+              </a:tblPr>
+              <a:tblGrid>
+                <a:gridCol w="576730">
+                  <a:extLst>
+                    <a:ext uri="{9D8B030D-6E8A-4147-A177-3AD203B41FA5}">
+                      <a16:colId xmlns:a16="http://schemas.microsoft.com/office/drawing/2014/main" val="20000"/>
+                    </a:ext>
+                  </a:extLst>
+                </a:gridCol>
+                <a:gridCol w="576730">
+                  <a:extLst>
+                    <a:ext uri="{9D8B030D-6E8A-4147-A177-3AD203B41FA5}">
+                      <a16:colId xmlns:a16="http://schemas.microsoft.com/office/drawing/2014/main" val="20001"/>
+                    </a:ext>
+                  </a:extLst>
+                </a:gridCol>
+                <a:gridCol w="576730">
+                  <a:extLst>
+                    <a:ext uri="{9D8B030D-6E8A-4147-A177-3AD203B41FA5}">
+                      <a16:colId xmlns:a16="http://schemas.microsoft.com/office/drawing/2014/main" val="20002"/>
+                    </a:ext>
+                  </a:extLst>
+                </a:gridCol>
+              </a:tblGrid>
+              <a:tr h="370840">
+                <a:tc>
+                  <a:txBody>
+                    <a:bodyPr/>
+                    <a:lstStyle/>
+                    <a:p>
+                      <a:r>
+                        <a:rPr lang="en-US" altLang="zh-CN" sz="1200" dirty="0" smtClean="0"/>
+                        <a:t>Offset</a:t>
+                      </a:r>
+                    </a:p>
+                    <a:p>
+                      <a:r>
+                        <a:rPr lang="en-US" altLang="zh-CN" sz="1200" dirty="0" smtClean="0"/>
+                        <a:t>8byte</a:t>
+                      </a:r>
+                      <a:endParaRPr lang="zh-CN" altLang="en-US" sz="1200" dirty="0"/>
+                    </a:p>
+                  </a:txBody>
+                  <a:tcPr/>
+                </a:tc>
+                <a:tc>
+                  <a:txBody>
+                    <a:bodyPr/>
+                    <a:lstStyle/>
+                    <a:p>
+                      <a:r>
+                        <a:rPr lang="en-US" altLang="zh-CN" sz="1200" dirty="0" smtClean="0"/>
+                        <a:t>Size</a:t>
+                      </a:r>
+                    </a:p>
+                    <a:p>
+                      <a:r>
+                        <a:rPr lang="en-US" altLang="zh-CN" sz="1200" dirty="0" smtClean="0"/>
+                        <a:t>4byte</a:t>
+                      </a:r>
+                      <a:endParaRPr lang="zh-CN" altLang="en-US" sz="1200" dirty="0"/>
+                    </a:p>
+                  </a:txBody>
+                  <a:tcPr/>
+                </a:tc>
+                <a:tc>
+                  <a:txBody>
+                    <a:bodyPr/>
+                    <a:lstStyle/>
+                    <a:p>
+                      <a:r>
+                        <a:rPr lang="en-US" altLang="zh-CN" sz="1000" dirty="0" smtClean="0"/>
+                        <a:t>Tag(</a:t>
+                      </a:r>
+                      <a:r>
+                        <a:rPr lang="en-US" altLang="zh-CN" sz="1000" dirty="0" err="1" smtClean="0"/>
+                        <a:t>hashcode</a:t>
+                      </a:r>
+                      <a:r>
+                        <a:rPr lang="en-US" altLang="zh-CN" sz="1000" dirty="0" smtClean="0"/>
+                        <a:t>)</a:t>
+                      </a:r>
+                    </a:p>
+                    <a:p>
+                      <a:r>
+                        <a:rPr lang="en-US" altLang="zh-CN" sz="1000" dirty="0" smtClean="0"/>
+                        <a:t>8byte</a:t>
+                      </a:r>
+                      <a:endParaRPr lang="zh-CN" altLang="en-US" sz="1000" dirty="0"/>
+                    </a:p>
+                  </a:txBody>
+                  <a:tcPr/>
+                </a:tc>
+                <a:extLst>
+                  <a:ext uri="{0D108BD9-81ED-4DB2-BD59-A6C34878D82A}">
+                    <a16:rowId xmlns:a16="http://schemas.microsoft.com/office/drawing/2014/main" val="10000"/>
+                  </a:ext>
+                </a:extLst>
+              </a:tr>
+              <a:tr h="370840">
+                <a:tc>
+                  <a:txBody>
+                    <a:bodyPr/>
+                    <a:lstStyle/>
+                    <a:p>
+                      <a:r>
+                        <a:rPr lang="en-US" altLang="zh-CN" sz="1000" dirty="0" smtClean="0"/>
+                        <a:t>1400</a:t>
+                      </a:r>
+                      <a:endParaRPr lang="zh-CN" altLang="en-US" sz="1000" dirty="0"/>
+                    </a:p>
+                  </a:txBody>
+                  <a:tcPr/>
+                </a:tc>
+                <a:tc>
+                  <a:txBody>
+                    <a:bodyPr/>
+                    <a:lstStyle/>
+                    <a:p>
+                      <a:r>
+                        <a:rPr lang="en-US" altLang="zh-CN" sz="1000" dirty="0" smtClean="0"/>
+                        <a:t>200</a:t>
+                      </a:r>
+                      <a:endParaRPr lang="zh-CN" altLang="en-US" sz="1000" dirty="0"/>
+                    </a:p>
+                  </a:txBody>
+                  <a:tcPr/>
+                </a:tc>
+                <a:tc>
+                  <a:txBody>
+                    <a:bodyPr/>
+                    <a:lstStyle/>
+                    <a:p>
+                      <a:r>
+                        <a:rPr lang="en-US" altLang="zh-CN" sz="1000" dirty="0" smtClean="0"/>
+                        <a:t>xxx</a:t>
+                      </a:r>
+                      <a:endParaRPr lang="zh-CN" altLang="en-US" sz="1000" dirty="0"/>
+                    </a:p>
+                  </a:txBody>
+                  <a:tcPr/>
+                </a:tc>
+                <a:extLst>
+                  <a:ext uri="{0D108BD9-81ED-4DB2-BD59-A6C34878D82A}">
+                    <a16:rowId xmlns:a16="http://schemas.microsoft.com/office/drawing/2014/main" val="10001"/>
+                  </a:ext>
+                </a:extLst>
+              </a:tr>
+              <a:tr h="370840">
+                <a:tc>
+                  <a:txBody>
+                    <a:bodyPr/>
+                    <a:lstStyle/>
+                    <a:p>
+                      <a:endParaRPr lang="zh-CN" altLang="en-US" sz="1000" dirty="0"/>
+                    </a:p>
+                  </a:txBody>
+                  <a:tcPr/>
+                </a:tc>
+                <a:tc>
+                  <a:txBody>
+                    <a:bodyPr/>
+                    <a:lstStyle/>
+                    <a:p>
+                      <a:endParaRPr lang="zh-CN" altLang="en-US" sz="1000"/>
+                    </a:p>
+                  </a:txBody>
+                  <a:tcPr/>
+                </a:tc>
+                <a:tc>
+                  <a:txBody>
+                    <a:bodyPr/>
+                    <a:lstStyle/>
+                    <a:p>
+                      <a:endParaRPr lang="zh-CN" altLang="en-US" sz="1000" dirty="0"/>
+                    </a:p>
+                  </a:txBody>
+                  <a:tcPr/>
+                </a:tc>
+                <a:extLst>
+                  <a:ext uri="{0D108BD9-81ED-4DB2-BD59-A6C34878D82A}">
+                    <a16:rowId xmlns:a16="http://schemas.microsoft.com/office/drawing/2014/main" val="10002"/>
+                  </a:ext>
+                </a:extLst>
+              </a:tr>
+            </a:tbl>
+          </a:graphicData>
+        </a:graphic>
+      </p:graphicFrame>
+      <p:cxnSp>
+        <p:nvCxnSpPr>
+          <p:cNvPr id="105" name="直接箭头连接符 104"/>
+          <p:cNvCxnSpPr>
+            <a:stCxn id="45" idx="3"/>
+            <a:endCxn id="17" idx="2"/>
+          </p:cNvCxnSpPr>
+          <p:nvPr/>
+        </p:nvCxnSpPr>
+        <p:spPr>
+          <a:xfrm flipV="1">
+            <a:off x="1122383" y="1881013"/>
+            <a:ext cx="287765" cy="25111"/>
+          </a:xfrm>
+          <a:prstGeom prst="straightConnector1">
+            <a:avLst/>
+          </a:prstGeom>
+          <a:ln>
+            <a:tailEnd type="triangle"/>
+          </a:ln>
+        </p:spPr>
+        <p:style>
+          <a:lnRef idx="1">
+            <a:schemeClr val="accent6"/>
+          </a:lnRef>
+          <a:fillRef idx="0">
+            <a:schemeClr val="accent6"/>
+          </a:fillRef>
+          <a:effectRef idx="0">
+            <a:schemeClr val="accent6"/>
+          </a:effectRef>
+          <a:fontRef idx="minor">
+            <a:schemeClr val="tx1"/>
+          </a:fontRef>
+        </p:style>
+      </p:cxnSp>
+      <p:cxnSp>
+        <p:nvCxnSpPr>
+          <p:cNvPr id="108" name="直接箭头连接符 107"/>
+          <p:cNvCxnSpPr>
+            <a:stCxn id="46" idx="3"/>
+            <a:endCxn id="18" idx="2"/>
+          </p:cNvCxnSpPr>
+          <p:nvPr/>
+        </p:nvCxnSpPr>
+        <p:spPr>
+          <a:xfrm flipV="1">
+            <a:off x="1107590" y="5163889"/>
+            <a:ext cx="302558" cy="66573"/>
+          </a:xfrm>
+          <a:prstGeom prst="straightConnector1">
+            <a:avLst/>
+          </a:prstGeom>
+          <a:ln>
+            <a:tailEnd type="triangle"/>
+          </a:ln>
+        </p:spPr>
+        <p:style>
+          <a:lnRef idx="1">
+            <a:schemeClr val="accent3"/>
+          </a:lnRef>
+          <a:fillRef idx="0">
+            <a:schemeClr val="accent3"/>
+          </a:fillRef>
+          <a:effectRef idx="0">
+            <a:schemeClr val="accent3"/>
+          </a:effectRef>
+          <a:fontRef idx="minor">
+            <a:schemeClr val="tx1"/>
+          </a:fontRef>
+        </p:style>
+      </p:cxnSp>
+      <p:sp>
+        <p:nvSpPr>
+          <p:cNvPr id="122" name="矩形 121"/>
+          <p:cNvSpPr/>
+          <p:nvPr/>
+        </p:nvSpPr>
+        <p:spPr>
+          <a:xfrm>
+            <a:off x="10932584" y="2413812"/>
+            <a:ext cx="1080471" cy="559398"/>
+          </a:xfrm>
+          <a:prstGeom prst="rect">
+            <a:avLst/>
+          </a:prstGeom>
+        </p:spPr>
+        <p:style>
+          <a:lnRef idx="1">
+            <a:schemeClr val="accent6"/>
+          </a:lnRef>
+          <a:fillRef idx="2">
+            <a:schemeClr val="accent6"/>
+          </a:fillRef>
+          <a:effectRef idx="1">
+            <a:schemeClr val="accent6"/>
+          </a:effectRef>
+          <a:fontRef idx="minor">
+            <a:schemeClr val="dk1"/>
+          </a:fontRef>
+        </p:style>
+        <p:txBody>
+          <a:bodyPr rtlCol="0" anchor="ctr"/>
+          <a:lstStyle/>
+          <a:p>
+            <a:pPr algn="ctr"/>
+            <a:r>
+              <a:rPr lang="en-US" altLang="zh-CN" sz="1400" dirty="0" smtClean="0"/>
+              <a:t>Comsumer2</a:t>
+            </a:r>
+            <a:endParaRPr lang="zh-CN" altLang="en-US" sz="1400" dirty="0"/>
+          </a:p>
+        </p:txBody>
+      </p:sp>
+      <p:sp>
+        <p:nvSpPr>
+          <p:cNvPr id="130" name="矩形 129"/>
+          <p:cNvSpPr/>
+          <p:nvPr/>
+        </p:nvSpPr>
+        <p:spPr>
+          <a:xfrm>
+            <a:off x="3244154" y="980278"/>
+            <a:ext cx="1161824" cy="210443"/>
+          </a:xfrm>
+          <a:prstGeom prst="rect">
+            <a:avLst/>
+          </a:prstGeom>
+        </p:spPr>
+        <p:style>
+          <a:lnRef idx="2">
+            <a:schemeClr val="dk1"/>
+          </a:lnRef>
+          <a:fillRef idx="1">
+            <a:schemeClr val="lt1"/>
+          </a:fillRef>
+          <a:effectRef idx="0">
+            <a:schemeClr val="dk1"/>
+          </a:effectRef>
+          <a:fontRef idx="minor">
+            <a:schemeClr val="dk1"/>
+          </a:fontRef>
+        </p:style>
+        <p:txBody>
+          <a:bodyPr rtlCol="0" anchor="ctr"/>
+          <a:lstStyle/>
+          <a:p>
+            <a:pPr algn="ctr"/>
+            <a:r>
+              <a:rPr lang="en-US" altLang="zh-CN" sz="1000" dirty="0" err="1" smtClean="0"/>
+              <a:t>commitlog</a:t>
+            </a:r>
+            <a:endParaRPr lang="zh-CN" altLang="en-US" sz="1000" dirty="0"/>
+          </a:p>
+        </p:txBody>
+      </p:sp>
+      <p:cxnSp>
+        <p:nvCxnSpPr>
+          <p:cNvPr id="132" name="直接箭头连接符 131"/>
+          <p:cNvCxnSpPr>
+            <a:stCxn id="8" idx="1"/>
+            <a:endCxn id="130" idx="3"/>
+          </p:cNvCxnSpPr>
+          <p:nvPr/>
+        </p:nvCxnSpPr>
+        <p:spPr>
+          <a:xfrm flipH="1" flipV="1">
+            <a:off x="4405978" y="1085500"/>
+            <a:ext cx="395521" cy="881358"/>
+          </a:xfrm>
+          <a:prstGeom prst="straightConnector1">
+            <a:avLst/>
+          </a:prstGeom>
+          <a:ln>
+            <a:solidFill>
+              <a:srgbClr val="FF0000"/>
+            </a:solidFill>
+            <a:tailEnd type="triangle"/>
+          </a:ln>
+        </p:spPr>
+        <p:style>
+          <a:lnRef idx="3">
+            <a:schemeClr val="accent2"/>
+          </a:lnRef>
+          <a:fillRef idx="0">
+            <a:schemeClr val="accent2"/>
+          </a:fillRef>
+          <a:effectRef idx="2">
+            <a:schemeClr val="accent2"/>
+          </a:effectRef>
+          <a:fontRef idx="minor">
+            <a:schemeClr val="tx1"/>
+          </a:fontRef>
+        </p:style>
+      </p:cxnSp>
+      <p:cxnSp>
+        <p:nvCxnSpPr>
+          <p:cNvPr id="134" name="直接箭头连接符 133"/>
+          <p:cNvCxnSpPr>
+            <a:stCxn id="28" idx="1"/>
+            <a:endCxn id="30" idx="3"/>
+          </p:cNvCxnSpPr>
+          <p:nvPr/>
+        </p:nvCxnSpPr>
+        <p:spPr>
+          <a:xfrm flipH="1" flipV="1">
+            <a:off x="4426096" y="5072117"/>
+            <a:ext cx="452493" cy="764797"/>
+          </a:xfrm>
+          <a:prstGeom prst="straightConnector1">
+            <a:avLst/>
+          </a:prstGeom>
+          <a:ln>
+            <a:solidFill>
+              <a:srgbClr val="FF0000"/>
+            </a:solidFill>
+            <a:tailEnd type="triangle"/>
+          </a:ln>
+        </p:spPr>
+        <p:style>
+          <a:lnRef idx="3">
+            <a:schemeClr val="accent2"/>
+          </a:lnRef>
+          <a:fillRef idx="0">
+            <a:schemeClr val="accent2"/>
+          </a:fillRef>
+          <a:effectRef idx="2">
+            <a:schemeClr val="accent2"/>
+          </a:effectRef>
+          <a:fontRef idx="minor">
+            <a:schemeClr val="tx1"/>
+          </a:fontRef>
+        </p:style>
+      </p:cxnSp>
+    </p:spTree>
+    <p:extLst>
+      <p:ext uri="{BB962C8B-B14F-4D97-AF65-F5344CB8AC3E}">
+        <p14:creationId xmlns:p14="http://schemas.microsoft.com/office/powerpoint/2010/main" val="2373778485"/>
+      </p:ext>
+    </p:extLst>
+  </p:cSld>
+  <p:clrMapOvr>
+    <a:masterClrMapping/>
+  </p:clrMapOvr>
+</p:sld>
+</file>
+
+<file path=ppt/slides/slide5.xml><?xml version="1.0" encoding="utf-8"?>
+<p:sld xmlns:a="http://schemas.openxmlformats.org/drawingml/2006/main" xmlns:r="http://schemas.openxmlformats.org/officeDocument/2006/relationships" xmlns:p="http://schemas.openxmlformats.org/presentationml/2006/main">
+  <p:cSld>
+    <p:spTree>
+      <p:nvGrpSpPr>
+        <p:cNvPr id="1" name=""/>
+        <p:cNvGrpSpPr/>
+        <p:nvPr/>
+      </p:nvGrpSpPr>
+      <p:grpSpPr>
+        <a:xfrm>
+          <a:off x="0" y="0"/>
+          <a:ext cx="0" cy="0"/>
+          <a:chOff x="0" y="0"/>
+          <a:chExt cx="0" cy="0"/>
+        </a:xfrm>
+      </p:grpSpPr>
+      <p:sp>
+        <p:nvSpPr>
+          <p:cNvPr id="5" name="椭圆 4"/>
+          <p:cNvSpPr/>
+          <p:nvPr/>
+        </p:nvSpPr>
+        <p:spPr>
+          <a:xfrm>
+            <a:off x="1161826" y="1366221"/>
+            <a:ext cx="1140310" cy="882127"/>
+          </a:xfrm>
+          <a:prstGeom prst="ellipse">
+            <a:avLst/>
+          </a:prstGeom>
+        </p:spPr>
+        <p:style>
+          <a:lnRef idx="2">
+            <a:schemeClr val="accent1">
+              <a:shade val="50000"/>
+            </a:schemeClr>
+          </a:lnRef>
+          <a:fillRef idx="1">
+            <a:schemeClr val="accent1"/>
+          </a:fillRef>
+          <a:effectRef idx="0">
+            <a:schemeClr val="accent1"/>
+          </a:effectRef>
+          <a:fontRef idx="minor">
+            <a:schemeClr val="lt1"/>
+          </a:fontRef>
+        </p:style>
+        <p:txBody>
+          <a:bodyPr rtlCol="0" anchor="ctr"/>
+          <a:lstStyle/>
+          <a:p>
+            <a:pPr algn="ctr"/>
+            <a:r>
+              <a:rPr lang="en-US" altLang="zh-CN" dirty="0" err="1"/>
+              <a:t>init</a:t>
+            </a:r>
+            <a:endParaRPr lang="zh-CN" altLang="en-US" dirty="0"/>
+          </a:p>
+        </p:txBody>
+      </p:sp>
+      <p:sp>
+        <p:nvSpPr>
+          <p:cNvPr id="6" name="椭圆 5"/>
+          <p:cNvSpPr/>
+          <p:nvPr/>
+        </p:nvSpPr>
+        <p:spPr>
+          <a:xfrm>
+            <a:off x="3265617" y="1366221"/>
+            <a:ext cx="1320053" cy="882127"/>
+          </a:xfrm>
+          <a:prstGeom prst="ellipse">
+            <a:avLst/>
+          </a:prstGeom>
+        </p:spPr>
+        <p:style>
+          <a:lnRef idx="2">
+            <a:schemeClr val="accent1">
+              <a:shade val="50000"/>
+            </a:schemeClr>
+          </a:lnRef>
+          <a:fillRef idx="1">
+            <a:schemeClr val="accent1"/>
+          </a:fillRef>
+          <a:effectRef idx="0">
+            <a:schemeClr val="accent1"/>
+          </a:effectRef>
+          <a:fontRef idx="minor">
+            <a:schemeClr val="lt1"/>
+          </a:fontRef>
+        </p:style>
+        <p:txBody>
+          <a:bodyPr rtlCol="0" anchor="ctr"/>
+          <a:lstStyle/>
+          <a:p>
+            <a:pPr algn="ctr"/>
+            <a:r>
+              <a:rPr lang="en-US" altLang="zh-CN" dirty="0" err="1" smtClean="0"/>
+              <a:t>canuse</a:t>
+            </a:r>
+            <a:endParaRPr lang="zh-CN" altLang="en-US" dirty="0"/>
+          </a:p>
+        </p:txBody>
+      </p:sp>
+      <p:sp>
+        <p:nvSpPr>
+          <p:cNvPr id="7" name="椭圆 6"/>
+          <p:cNvSpPr/>
+          <p:nvPr/>
+        </p:nvSpPr>
+        <p:spPr>
+          <a:xfrm>
+            <a:off x="9092899" y="1366218"/>
+            <a:ext cx="1126864" cy="882127"/>
+          </a:xfrm>
+          <a:prstGeom prst="ellipse">
+            <a:avLst/>
+          </a:prstGeom>
+        </p:spPr>
+        <p:style>
+          <a:lnRef idx="2">
+            <a:schemeClr val="accent1">
+              <a:shade val="50000"/>
+            </a:schemeClr>
+          </a:lnRef>
+          <a:fillRef idx="1">
+            <a:schemeClr val="accent1"/>
+          </a:fillRef>
+          <a:effectRef idx="0">
+            <a:schemeClr val="accent1"/>
+          </a:effectRef>
+          <a:fontRef idx="minor">
+            <a:schemeClr val="lt1"/>
+          </a:fontRef>
+        </p:style>
+        <p:txBody>
+          <a:bodyPr rtlCol="0" anchor="ctr"/>
+          <a:lstStyle/>
+          <a:p>
+            <a:pPr algn="ctr"/>
+            <a:r>
+              <a:rPr lang="en-US" altLang="zh-CN" dirty="0" smtClean="0"/>
+              <a:t>offline</a:t>
+            </a:r>
+            <a:endParaRPr lang="zh-CN" altLang="en-US" dirty="0"/>
+          </a:p>
+        </p:txBody>
+      </p:sp>
+      <p:sp>
+        <p:nvSpPr>
+          <p:cNvPr id="8" name="椭圆 7"/>
+          <p:cNvSpPr/>
+          <p:nvPr/>
+        </p:nvSpPr>
+        <p:spPr>
+          <a:xfrm>
+            <a:off x="5296349" y="1366220"/>
+            <a:ext cx="882127" cy="882127"/>
+          </a:xfrm>
+          <a:prstGeom prst="ellipse">
+            <a:avLst/>
+          </a:prstGeom>
+        </p:spPr>
+        <p:style>
+          <a:lnRef idx="2">
+            <a:schemeClr val="accent1">
+              <a:shade val="50000"/>
+            </a:schemeClr>
+          </a:lnRef>
+          <a:fillRef idx="1">
+            <a:schemeClr val="accent1"/>
+          </a:fillRef>
+          <a:effectRef idx="0">
+            <a:schemeClr val="accent1"/>
+          </a:effectRef>
+          <a:fontRef idx="minor">
+            <a:schemeClr val="lt1"/>
+          </a:fontRef>
+        </p:style>
+        <p:txBody>
+          <a:bodyPr rtlCol="0" anchor="ctr"/>
+          <a:lstStyle/>
+          <a:p>
+            <a:pPr algn="ctr"/>
+            <a:r>
+              <a:rPr lang="en-US" altLang="zh-CN" dirty="0" smtClean="0"/>
+              <a:t>lock</a:t>
+            </a:r>
+            <a:endParaRPr lang="zh-CN" altLang="en-US" dirty="0"/>
+          </a:p>
+        </p:txBody>
+      </p:sp>
+      <p:sp>
+        <p:nvSpPr>
+          <p:cNvPr id="9" name="椭圆 8"/>
+          <p:cNvSpPr/>
+          <p:nvPr/>
+        </p:nvSpPr>
+        <p:spPr>
+          <a:xfrm>
+            <a:off x="7137250" y="1366219"/>
+            <a:ext cx="1176169" cy="882127"/>
+          </a:xfrm>
+          <a:prstGeom prst="ellipse">
+            <a:avLst/>
+          </a:prstGeom>
+        </p:spPr>
+        <p:style>
+          <a:lnRef idx="2">
+            <a:schemeClr val="accent1">
+              <a:shade val="50000"/>
+            </a:schemeClr>
+          </a:lnRef>
+          <a:fillRef idx="1">
+            <a:schemeClr val="accent1"/>
+          </a:fillRef>
+          <a:effectRef idx="0">
+            <a:schemeClr val="accent1"/>
+          </a:effectRef>
+          <a:fontRef idx="minor">
+            <a:schemeClr val="lt1"/>
+          </a:fontRef>
+        </p:style>
+        <p:txBody>
+          <a:bodyPr rtlCol="0" anchor="ctr"/>
+          <a:lstStyle/>
+          <a:p>
+            <a:pPr algn="ctr"/>
+            <a:r>
+              <a:rPr lang="en-US" altLang="zh-CN" dirty="0" smtClean="0"/>
+              <a:t>rented</a:t>
+            </a:r>
+            <a:endParaRPr lang="zh-CN" altLang="en-US" dirty="0"/>
+          </a:p>
+        </p:txBody>
+      </p:sp>
+      <p:sp>
+        <p:nvSpPr>
+          <p:cNvPr id="10" name="椭圆 9"/>
+          <p:cNvSpPr/>
+          <p:nvPr/>
+        </p:nvSpPr>
+        <p:spPr>
+          <a:xfrm>
+            <a:off x="1013012" y="3949849"/>
+            <a:ext cx="1140310" cy="882127"/>
+          </a:xfrm>
+          <a:prstGeom prst="ellipse">
+            <a:avLst/>
+          </a:prstGeom>
+        </p:spPr>
+        <p:style>
+          <a:lnRef idx="2">
+            <a:schemeClr val="accent1">
+              <a:shade val="50000"/>
+            </a:schemeClr>
+          </a:lnRef>
+          <a:fillRef idx="1">
+            <a:schemeClr val="accent1"/>
+          </a:fillRef>
+          <a:effectRef idx="0">
+            <a:schemeClr val="accent1"/>
+          </a:effectRef>
+          <a:fontRef idx="minor">
+            <a:schemeClr val="lt1"/>
+          </a:fontRef>
+        </p:style>
+        <p:txBody>
+          <a:bodyPr rtlCol="0" anchor="ctr"/>
+          <a:lstStyle/>
+          <a:p>
+            <a:pPr algn="ctr"/>
+            <a:r>
+              <a:rPr lang="en-US" altLang="zh-CN" dirty="0" err="1"/>
+              <a:t>init</a:t>
+            </a:r>
+            <a:endParaRPr lang="zh-CN" altLang="en-US" dirty="0"/>
+          </a:p>
+        </p:txBody>
+      </p:sp>
+      <p:sp>
+        <p:nvSpPr>
+          <p:cNvPr id="11" name="椭圆 10"/>
+          <p:cNvSpPr/>
+          <p:nvPr/>
+        </p:nvSpPr>
+        <p:spPr>
+          <a:xfrm>
+            <a:off x="2949387" y="3896057"/>
+            <a:ext cx="1278367" cy="882127"/>
+          </a:xfrm>
+          <a:prstGeom prst="ellipse">
+            <a:avLst/>
+          </a:prstGeom>
+        </p:spPr>
+        <p:style>
+          <a:lnRef idx="2">
+            <a:schemeClr val="accent1">
+              <a:shade val="50000"/>
+            </a:schemeClr>
+          </a:lnRef>
+          <a:fillRef idx="1">
+            <a:schemeClr val="accent1"/>
+          </a:fillRef>
+          <a:effectRef idx="0">
+            <a:schemeClr val="accent1"/>
+          </a:effectRef>
+          <a:fontRef idx="minor">
+            <a:schemeClr val="lt1"/>
+          </a:fontRef>
+        </p:style>
+        <p:txBody>
+          <a:bodyPr rtlCol="0" anchor="ctr"/>
+          <a:lstStyle/>
+          <a:p>
+            <a:pPr algn="ctr"/>
+            <a:r>
+              <a:rPr lang="en-US" altLang="zh-CN" dirty="0" smtClean="0"/>
+              <a:t>renting</a:t>
+            </a:r>
+            <a:endParaRPr lang="zh-CN" altLang="en-US" dirty="0"/>
+          </a:p>
+        </p:txBody>
+      </p:sp>
+      <p:sp>
+        <p:nvSpPr>
+          <p:cNvPr id="12" name="椭圆 11"/>
+          <p:cNvSpPr/>
+          <p:nvPr/>
+        </p:nvSpPr>
+        <p:spPr>
+          <a:xfrm>
+            <a:off x="5098228" y="3949849"/>
+            <a:ext cx="1496210" cy="882127"/>
+          </a:xfrm>
+          <a:prstGeom prst="ellipse">
+            <a:avLst/>
+          </a:prstGeom>
+        </p:spPr>
+        <p:style>
+          <a:lnRef idx="2">
+            <a:schemeClr val="accent1">
+              <a:shade val="50000"/>
+            </a:schemeClr>
+          </a:lnRef>
+          <a:fillRef idx="1">
+            <a:schemeClr val="accent1"/>
+          </a:fillRef>
+          <a:effectRef idx="0">
+            <a:schemeClr val="accent1"/>
+          </a:effectRef>
+          <a:fontRef idx="minor">
+            <a:schemeClr val="lt1"/>
+          </a:fontRef>
+        </p:style>
+        <p:txBody>
+          <a:bodyPr rtlCol="0" anchor="ctr"/>
+          <a:lstStyle/>
+          <a:p>
+            <a:pPr algn="ctr"/>
+            <a:r>
+              <a:rPr lang="en-US" altLang="zh-CN" dirty="0" smtClean="0"/>
+              <a:t>recycling</a:t>
+            </a:r>
+            <a:endParaRPr lang="zh-CN" altLang="en-US" dirty="0"/>
+          </a:p>
+        </p:txBody>
+      </p:sp>
+      <p:sp>
+        <p:nvSpPr>
+          <p:cNvPr id="13" name="椭圆 12"/>
+          <p:cNvSpPr/>
+          <p:nvPr/>
+        </p:nvSpPr>
+        <p:spPr>
+          <a:xfrm>
+            <a:off x="7953486" y="3896056"/>
+            <a:ext cx="1278367" cy="882127"/>
+          </a:xfrm>
+          <a:prstGeom prst="ellipse">
+            <a:avLst/>
+          </a:prstGeom>
+        </p:spPr>
+        <p:style>
+          <a:lnRef idx="2">
+            <a:schemeClr val="accent1">
+              <a:shade val="50000"/>
+            </a:schemeClr>
+          </a:lnRef>
+          <a:fillRef idx="1">
+            <a:schemeClr val="accent1"/>
+          </a:fillRef>
+          <a:effectRef idx="0">
+            <a:schemeClr val="accent1"/>
+          </a:effectRef>
+          <a:fontRef idx="minor">
+            <a:schemeClr val="lt1"/>
+          </a:fontRef>
+        </p:style>
+        <p:txBody>
+          <a:bodyPr rtlCol="0" anchor="ctr"/>
+          <a:lstStyle/>
+          <a:p>
+            <a:pPr algn="ctr"/>
+            <a:r>
+              <a:rPr lang="en-US" altLang="zh-CN" dirty="0" err="1" smtClean="0"/>
+              <a:t>recyced</a:t>
+            </a:r>
+            <a:endParaRPr lang="zh-CN" altLang="en-US" dirty="0"/>
+          </a:p>
+        </p:txBody>
+      </p:sp>
+      <p:cxnSp>
+        <p:nvCxnSpPr>
+          <p:cNvPr id="15" name="直接箭头连接符 14"/>
+          <p:cNvCxnSpPr>
+            <a:endCxn id="6" idx="0"/>
+          </p:cNvCxnSpPr>
+          <p:nvPr/>
+        </p:nvCxnSpPr>
+        <p:spPr>
+          <a:xfrm>
+            <a:off x="3108960" y="484094"/>
+            <a:ext cx="816684" cy="882127"/>
+          </a:xfrm>
+          <a:prstGeom prst="straightConnector1">
+            <a:avLst/>
+          </a:prstGeom>
+          <a:ln>
+            <a:tailEnd type="triangle"/>
+          </a:ln>
+        </p:spPr>
+        <p:style>
+          <a:lnRef idx="1">
+            <a:schemeClr val="accent1"/>
+          </a:lnRef>
+          <a:fillRef idx="0">
+            <a:schemeClr val="accent1"/>
+          </a:fillRef>
+          <a:effectRef idx="0">
+            <a:schemeClr val="accent1"/>
+          </a:effectRef>
+          <a:fontRef idx="minor">
+            <a:schemeClr val="tx1"/>
+          </a:fontRef>
+        </p:style>
+      </p:cxnSp>
+      <p:sp>
+        <p:nvSpPr>
+          <p:cNvPr id="16" name="文本框 15"/>
+          <p:cNvSpPr txBox="1"/>
+          <p:nvPr/>
+        </p:nvSpPr>
+        <p:spPr>
+          <a:xfrm>
+            <a:off x="3390901" y="774551"/>
+            <a:ext cx="1396023" cy="369332"/>
+          </a:xfrm>
+          <a:prstGeom prst="rect">
+            <a:avLst/>
+          </a:prstGeom>
+          <a:noFill/>
+        </p:spPr>
+        <p:txBody>
+          <a:bodyPr wrap="none" rtlCol="0">
+            <a:spAutoFit/>
+          </a:bodyPr>
+          <a:lstStyle/>
+          <a:p>
+            <a:r>
+              <a:rPr lang="en-US" altLang="zh-CN" dirty="0" err="1" smtClean="0"/>
+              <a:t>Hsf</a:t>
+            </a:r>
+            <a:r>
+              <a:rPr lang="en-US" altLang="zh-CN" dirty="0" smtClean="0"/>
+              <a:t> </a:t>
+            </a:r>
+            <a:r>
+              <a:rPr lang="zh-CN" altLang="en-US" dirty="0" smtClean="0"/>
+              <a:t>返回</a:t>
+            </a:r>
+            <a:r>
+              <a:rPr lang="en-US" altLang="zh-CN" dirty="0" smtClean="0"/>
+              <a:t>true</a:t>
+            </a:r>
+            <a:endParaRPr lang="zh-CN" altLang="en-US" dirty="0"/>
+          </a:p>
+        </p:txBody>
+      </p:sp>
+      <p:cxnSp>
+        <p:nvCxnSpPr>
+          <p:cNvPr id="17" name="直接箭头连接符 16"/>
+          <p:cNvCxnSpPr/>
+          <p:nvPr/>
+        </p:nvCxnSpPr>
+        <p:spPr>
+          <a:xfrm>
+            <a:off x="2706220" y="3013929"/>
+            <a:ext cx="816684" cy="882127"/>
+          </a:xfrm>
+          <a:prstGeom prst="straightConnector1">
+            <a:avLst/>
+          </a:prstGeom>
+          <a:ln>
+            <a:tailEnd type="triangle"/>
+          </a:ln>
+        </p:spPr>
+        <p:style>
+          <a:lnRef idx="1">
+            <a:schemeClr val="accent1"/>
+          </a:lnRef>
+          <a:fillRef idx="0">
+            <a:schemeClr val="accent1"/>
+          </a:fillRef>
+          <a:effectRef idx="0">
+            <a:schemeClr val="accent1"/>
+          </a:effectRef>
+          <a:fontRef idx="minor">
+            <a:schemeClr val="tx1"/>
+          </a:fontRef>
+        </p:style>
+      </p:cxnSp>
+      <p:sp>
+        <p:nvSpPr>
+          <p:cNvPr id="18" name="文本框 17"/>
+          <p:cNvSpPr txBox="1"/>
+          <p:nvPr/>
+        </p:nvSpPr>
+        <p:spPr>
+          <a:xfrm>
+            <a:off x="2890558" y="3085660"/>
+            <a:ext cx="10135532" cy="923330"/>
+          </a:xfrm>
+          <a:prstGeom prst="rect">
+            <a:avLst/>
+          </a:prstGeom>
+          <a:noFill/>
+        </p:spPr>
+        <p:txBody>
+          <a:bodyPr wrap="none" rtlCol="0">
+            <a:spAutoFit/>
+          </a:bodyPr>
+          <a:lstStyle/>
+          <a:p>
+            <a:r>
+              <a:rPr lang="zh-CN" altLang="en-US" dirty="0" smtClean="0"/>
+              <a:t>把主机添加给用户，先上锁，判断主机是否锁定，未锁定先锁定主机，再同步更新</a:t>
+            </a:r>
+            <a:r>
+              <a:rPr lang="en-US" altLang="zh-CN" dirty="0" smtClean="0"/>
+              <a:t>renting, rented</a:t>
+            </a:r>
+            <a:r>
+              <a:rPr lang="zh-CN" altLang="en-US" dirty="0" smtClean="0"/>
+              <a:t>。</a:t>
+            </a:r>
+            <a:endParaRPr lang="en-US" altLang="zh-CN" dirty="0" smtClean="0"/>
+          </a:p>
+          <a:p>
+            <a:r>
+              <a:rPr lang="zh-CN" altLang="en-US" dirty="0" smtClean="0"/>
+              <a:t>更新失败回滚两个更新操作。</a:t>
+            </a:r>
+            <a:endParaRPr lang="en-US" altLang="zh-CN" dirty="0" smtClean="0"/>
+          </a:p>
+          <a:p>
+            <a:r>
+              <a:rPr lang="zh-CN" altLang="en-US" dirty="0" smtClean="0"/>
+              <a:t>已经上锁了，则直接返回。</a:t>
+            </a:r>
+            <a:endParaRPr lang="zh-CN" altLang="en-US" dirty="0"/>
+          </a:p>
+        </p:txBody>
+      </p:sp>
+      <p:sp>
+        <p:nvSpPr>
+          <p:cNvPr id="19" name="椭圆 18"/>
+          <p:cNvSpPr/>
+          <p:nvPr/>
+        </p:nvSpPr>
+        <p:spPr>
+          <a:xfrm>
+            <a:off x="0" y="1477386"/>
+            <a:ext cx="989704" cy="659789"/>
+          </a:xfrm>
+          <a:prstGeom prst="ellipse">
+            <a:avLst/>
+          </a:prstGeom>
+        </p:spPr>
+        <p:style>
+          <a:lnRef idx="2">
+            <a:schemeClr val="accent6">
+              <a:shade val="50000"/>
+            </a:schemeClr>
+          </a:lnRef>
+          <a:fillRef idx="1">
+            <a:schemeClr val="accent6"/>
+          </a:fillRef>
+          <a:effectRef idx="0">
+            <a:schemeClr val="accent6"/>
+          </a:effectRef>
+          <a:fontRef idx="minor">
+            <a:schemeClr val="lt1"/>
+          </a:fontRef>
+        </p:style>
+        <p:txBody>
+          <a:bodyPr rtlCol="0" anchor="ctr"/>
+          <a:lstStyle/>
+          <a:p>
+            <a:pPr algn="ctr"/>
+            <a:r>
+              <a:rPr lang="zh-CN" altLang="en-US" dirty="0" smtClean="0"/>
+              <a:t>主机</a:t>
+            </a:r>
+            <a:endParaRPr lang="zh-CN" altLang="en-US" dirty="0"/>
+          </a:p>
+        </p:txBody>
+      </p:sp>
+      <p:sp>
+        <p:nvSpPr>
+          <p:cNvPr id="20" name="椭圆 19"/>
+          <p:cNvSpPr/>
+          <p:nvPr/>
+        </p:nvSpPr>
+        <p:spPr>
+          <a:xfrm>
+            <a:off x="37988" y="3408825"/>
+            <a:ext cx="989704" cy="659789"/>
+          </a:xfrm>
+          <a:prstGeom prst="ellipse">
+            <a:avLst/>
+          </a:prstGeom>
+        </p:spPr>
+        <p:style>
+          <a:lnRef idx="2">
+            <a:schemeClr val="accent6">
+              <a:shade val="50000"/>
+            </a:schemeClr>
+          </a:lnRef>
+          <a:fillRef idx="1">
+            <a:schemeClr val="accent6"/>
+          </a:fillRef>
+          <a:effectRef idx="0">
+            <a:schemeClr val="accent6"/>
+          </a:effectRef>
+          <a:fontRef idx="minor">
+            <a:schemeClr val="lt1"/>
+          </a:fontRef>
+        </p:style>
+        <p:txBody>
+          <a:bodyPr rtlCol="0" anchor="ctr"/>
+          <a:lstStyle/>
+          <a:p>
+            <a:pPr algn="ctr"/>
+            <a:r>
+              <a:rPr lang="zh-CN" altLang="en-US" dirty="0" smtClean="0"/>
+              <a:t>签约记录</a:t>
+            </a:r>
+            <a:endParaRPr lang="en-US" altLang="zh-CN" dirty="0" smtClean="0"/>
+          </a:p>
+        </p:txBody>
+      </p:sp>
+    </p:spTree>
+    <p:extLst>
+      <p:ext uri="{BB962C8B-B14F-4D97-AF65-F5344CB8AC3E}">
+        <p14:creationId xmlns:p14="http://schemas.microsoft.com/office/powerpoint/2010/main" val="4120444377"/>
       </p:ext>
     </p:extLst>
   </p:cSld>
